--- a/PPT/Lecture1 Introduction.pptx
+++ b/PPT/Lecture1 Introduction.pptx
@@ -10,22 +10,19 @@
     <p:sldId id="257" r:id="rId4"/>
     <p:sldId id="283" r:id="rId5"/>
     <p:sldId id="260" r:id="rId6"/>
-    <p:sldId id="286" r:id="rId7"/>
-    <p:sldId id="258" r:id="rId8"/>
+    <p:sldId id="258" r:id="rId7"/>
+    <p:sldId id="284" r:id="rId8"/>
     <p:sldId id="272" r:id="rId9"/>
     <p:sldId id="262" r:id="rId10"/>
-    <p:sldId id="284" r:id="rId11"/>
+    <p:sldId id="273" r:id="rId11"/>
     <p:sldId id="274" r:id="rId12"/>
     <p:sldId id="275" r:id="rId13"/>
-    <p:sldId id="288" r:id="rId14"/>
-    <p:sldId id="276" r:id="rId15"/>
-    <p:sldId id="287" r:id="rId16"/>
-    <p:sldId id="277" r:id="rId17"/>
-    <p:sldId id="278" r:id="rId18"/>
-    <p:sldId id="279" r:id="rId19"/>
-    <p:sldId id="280" r:id="rId20"/>
-    <p:sldId id="289" r:id="rId21"/>
-    <p:sldId id="285" r:id="rId22"/>
+    <p:sldId id="276" r:id="rId14"/>
+    <p:sldId id="277" r:id="rId15"/>
+    <p:sldId id="278" r:id="rId16"/>
+    <p:sldId id="279" r:id="rId17"/>
+    <p:sldId id="280" r:id="rId18"/>
+    <p:sldId id="285" r:id="rId19"/>
   </p:sldIdLst>
   <p:sldSz cx="12192000" cy="6858000"/>
   <p:notesSz cx="6858000" cy="9144000"/>
@@ -406,7 +403,7 @@
           <a:p>
             <a:fld id="{78ABE3C1-DBE1-495D-B57B-2849774B866A}" type="datetimeFigureOut">
               <a:rPr lang="en-US" dirty="0"/>
-              <a:t>3/2/2021</a:t>
+              <a:t>1/19/2020</a:t>
             </a:fld>
             <a:endParaRPr lang="en-US" dirty="0"/>
           </a:p>
@@ -815,7 +812,7 @@
           <a:p>
             <a:fld id="{446C117F-5CCF-4837-BE5F-2B92066CAFAF}" type="datetimeFigureOut">
               <a:rPr lang="en-US" dirty="0"/>
-              <a:t>3/2/2021</a:t>
+              <a:t>1/19/2020</a:t>
             </a:fld>
             <a:endParaRPr lang="en-US" dirty="0"/>
           </a:p>
@@ -1146,7 +1143,7 @@
           <a:p>
             <a:fld id="{84EB90BD-B6CE-46B7-997F-7313B992CCDC}" type="datetimeFigureOut">
               <a:rPr lang="en-US" dirty="0"/>
-              <a:t>3/2/2021</a:t>
+              <a:t>1/19/2020</a:t>
             </a:fld>
             <a:endParaRPr lang="en-US" dirty="0"/>
           </a:p>
@@ -1546,7 +1543,7 @@
           <a:p>
             <a:fld id="{CDB9D11F-B188-461D-B23F-39381795C052}" type="datetimeFigureOut">
               <a:rPr lang="en-US" dirty="0"/>
-              <a:t>3/2/2021</a:t>
+              <a:t>1/19/2020</a:t>
             </a:fld>
             <a:endParaRPr lang="en-US" dirty="0"/>
           </a:p>
@@ -2109,7 +2106,7 @@
           <a:p>
             <a:fld id="{52E6D8D9-55A2-4063-B0F3-121F44549695}" type="datetimeFigureOut">
               <a:rPr lang="en-US" dirty="0"/>
-              <a:t>3/2/2021</a:t>
+              <a:t>1/19/2020</a:t>
             </a:fld>
             <a:endParaRPr lang="en-US" dirty="0"/>
           </a:p>
@@ -2785,7 +2782,7 @@
           <a:p>
             <a:fld id="{D4B24536-994D-4021-A283-9F449C0DB509}" type="datetimeFigureOut">
               <a:rPr lang="en-US" dirty="0"/>
-              <a:t>3/2/2021</a:t>
+              <a:t>1/19/2020</a:t>
             </a:fld>
             <a:endParaRPr lang="en-US" dirty="0"/>
           </a:p>
@@ -3693,7 +3690,7 @@
           <a:p>
             <a:fld id="{3CBBBB78-C96F-47B7-AB17-D852CA960AC9}" type="datetimeFigureOut">
               <a:rPr lang="en-US" dirty="0"/>
-              <a:t>3/2/2021</a:t>
+              <a:t>1/19/2020</a:t>
             </a:fld>
             <a:endParaRPr lang="en-US" dirty="0"/>
           </a:p>
@@ -4001,7 +3998,7 @@
           <a:p>
             <a:fld id="{1FA3F48C-C7C6-4055-9F49-3777875E72AE}" type="datetimeFigureOut">
               <a:rPr lang="en-US" dirty="0"/>
-              <a:t>3/2/2021</a:t>
+              <a:t>1/19/2020</a:t>
             </a:fld>
             <a:endParaRPr lang="en-US" dirty="0"/>
           </a:p>
@@ -4260,7 +4257,7 @@
           <a:p>
             <a:fld id="{6178E61D-D431-422C-9764-11DAFE33AB63}" type="datetimeFigureOut">
               <a:rPr lang="en-US" dirty="0"/>
-              <a:t>3/2/2021</a:t>
+              <a:t>1/19/2020</a:t>
             </a:fld>
             <a:endParaRPr lang="en-US" dirty="0"/>
           </a:p>
@@ -4579,7 +4576,7 @@
           <a:p>
             <a:fld id="{12DE42F4-6EEF-4EF7-8ED4-2208F0F89A08}" type="datetimeFigureOut">
               <a:rPr lang="en-US" dirty="0"/>
-              <a:t>3/2/2021</a:t>
+              <a:t>1/19/2020</a:t>
             </a:fld>
             <a:endParaRPr lang="en-US" dirty="0"/>
           </a:p>
@@ -4963,7 +4960,7 @@
           <a:p>
             <a:fld id="{30578ACC-22D6-47C1-A373-4FD133E34F3C}" type="datetimeFigureOut">
               <a:rPr lang="en-US" dirty="0"/>
-              <a:t>3/2/2021</a:t>
+              <a:t>1/19/2020</a:t>
             </a:fld>
             <a:endParaRPr lang="en-US" dirty="0"/>
           </a:p>
@@ -5334,7 +5331,7 @@
           <a:p>
             <a:fld id="{4E5A6C69-6797-4E8A-BF37-F2C3751466E9}" type="datetimeFigureOut">
               <a:rPr lang="en-US" dirty="0"/>
-              <a:t>3/2/2021</a:t>
+              <a:t>1/19/2020</a:t>
             </a:fld>
             <a:endParaRPr lang="en-US" dirty="0"/>
           </a:p>
@@ -5835,7 +5832,7 @@
           <a:p>
             <a:fld id="{D82014A1-A632-4878-A0D3-F52BA7563730}" type="datetimeFigureOut">
               <a:rPr lang="en-US" dirty="0"/>
-              <a:t>3/2/2021</a:t>
+              <a:t>1/19/2020</a:t>
             </a:fld>
             <a:endParaRPr lang="en-US" dirty="0"/>
           </a:p>
@@ -6087,7 +6084,7 @@
           <a:p>
             <a:fld id="{CE99F462-093F-4566-844B-4C71F2739DA5}" type="datetimeFigureOut">
               <a:rPr lang="en-US" dirty="0"/>
-              <a:t>3/2/2021</a:t>
+              <a:t>1/19/2020</a:t>
             </a:fld>
             <a:endParaRPr lang="en-US" dirty="0"/>
           </a:p>
@@ -6245,7 +6242,7 @@
           <a:p>
             <a:fld id="{3D24A7AC-904D-4781-85BA-7D10C17ED021}" type="datetimeFigureOut">
               <a:rPr lang="en-US" dirty="0"/>
-              <a:t>3/2/2021</a:t>
+              <a:t>1/19/2020</a:t>
             </a:fld>
             <a:endParaRPr lang="en-US" dirty="0"/>
           </a:p>
@@ -6630,7 +6627,7 @@
           <a:p>
             <a:fld id="{E331444B-B92B-4E27-8C94-BB93EAF5CB18}" type="datetimeFigureOut">
               <a:rPr lang="en-US" dirty="0"/>
-              <a:t>3/2/2021</a:t>
+              <a:t>1/19/2020</a:t>
             </a:fld>
             <a:endParaRPr lang="en-US" dirty="0"/>
           </a:p>
@@ -7034,7 +7031,7 @@
           <a:p>
             <a:fld id="{363EFA5E-FA76-400D-B3DC-F0BA90E6D107}" type="datetimeFigureOut">
               <a:rPr lang="en-US" dirty="0"/>
-              <a:t>3/2/2021</a:t>
+              <a:t>1/19/2020</a:t>
             </a:fld>
             <a:endParaRPr lang="en-US" dirty="0"/>
           </a:p>
@@ -7273,7 +7270,7 @@
           <a:p>
             <a:fld id="{9D6E9DEC-419B-4CC5-A080-3B06BD5A8291}" type="datetimeFigureOut">
               <a:rPr lang="en-US" dirty="0"/>
-              <a:t>3/2/2021</a:t>
+              <a:t>1/19/2020</a:t>
             </a:fld>
             <a:endParaRPr lang="en-US" dirty="0"/>
           </a:p>
@@ -7724,6 +7721,21 @@
               <a:t>Lecture 1: Introduction</a:t>
             </a:r>
           </a:p>
+          <a:p>
+            <a:r>
+              <a:rPr lang="en-US" dirty="0" smtClean="0"/>
+              <a:t>Dr. M. </a:t>
+            </a:r>
+            <a:r>
+              <a:rPr lang="en-US" dirty="0" err="1" smtClean="0"/>
+              <a:t>Taimoor</a:t>
+            </a:r>
+            <a:r>
+              <a:rPr lang="en-US" dirty="0" smtClean="0"/>
+              <a:t> Khan</a:t>
+            </a:r>
+            <a:endParaRPr lang="en-US" dirty="0"/>
+          </a:p>
         </p:txBody>
       </p:sp>
     </p:spTree>
@@ -7778,7 +7790,11 @@
           <a:bodyPr/>
           <a:lstStyle/>
           <a:p>
-            <a:endParaRPr lang="en-US"/>
+            <a:r>
+              <a:rPr lang="en-US" b="1" dirty="0"/>
+              <a:t>CS458 Natural Language Processing</a:t>
+            </a:r>
+            <a:endParaRPr lang="en-US" dirty="0"/>
           </a:p>
         </p:txBody>
       </p:sp>
@@ -7801,58 +7817,35 @@
               <a:buNone/>
             </a:pPr>
             <a:r>
+              <a:rPr lang="en-US" b="1" dirty="0"/>
+              <a:t>Pre-Requisites:</a:t>
+            </a:r>
+            <a:endParaRPr lang="en-US" dirty="0"/>
+          </a:p>
+          <a:p>
+            <a:pPr lvl="0"/>
+            <a:r>
               <a:rPr lang="en-US" dirty="0"/>
-              <a:t>The structure of languages evolve and diversify over time to serve specific communicative and social </a:t>
+              <a:t>Prior knowledge of a Programming Language, ideally Java or Python</a:t>
+            </a:r>
+          </a:p>
+          <a:p>
+            <a:pPr lvl="0"/>
+            <a:r>
+              <a:rPr lang="en-US" dirty="0"/>
+              <a:t>Basic understanding of </a:t>
             </a:r>
             <a:r>
               <a:rPr lang="en-US" dirty="0" smtClean="0"/>
-              <a:t>functions.</a:t>
-            </a:r>
-          </a:p>
-          <a:p>
-            <a:endParaRPr lang="en-US" dirty="0" smtClean="0"/>
-          </a:p>
-          <a:p>
-            <a:r>
-              <a:rPr lang="en-US" b="1" dirty="0" smtClean="0"/>
-              <a:t>Synchronic</a:t>
-            </a:r>
-            <a:r>
-              <a:rPr lang="en-US" b="1" dirty="0"/>
-              <a:t>:</a:t>
-            </a:r>
+              <a:t>Mathematics</a:t>
+            </a:r>
+            <a:endParaRPr lang="en-US" dirty="0"/>
+          </a:p>
+          <a:p>
+            <a:pPr lvl="0"/>
             <a:r>
               <a:rPr lang="en-US" dirty="0"/>
-              <a:t> Study of the state of a language at any given point in </a:t>
-            </a:r>
-            <a:r>
-              <a:rPr lang="en-US" dirty="0" smtClean="0"/>
-              <a:t>history</a:t>
-            </a:r>
-          </a:p>
-          <a:p>
-            <a:endParaRPr lang="en-US" dirty="0" smtClean="0"/>
-          </a:p>
-          <a:p>
-            <a:r>
-              <a:rPr lang="en-US" b="1" dirty="0" smtClean="0"/>
-              <a:t>Diachronic</a:t>
-            </a:r>
-            <a:r>
-              <a:rPr lang="en-US" b="1" dirty="0"/>
-              <a:t>:</a:t>
-            </a:r>
-            <a:r>
-              <a:rPr lang="en-US" dirty="0"/>
-              <a:t> </a:t>
-            </a:r>
-            <a:r>
-              <a:rPr lang="en-US" dirty="0" smtClean="0"/>
-              <a:t>Comparison between </a:t>
-            </a:r>
-            <a:r>
-              <a:rPr lang="en-US" dirty="0"/>
-              <a:t>the states of language over decades or centuries</a:t>
+              <a:t>Understanding of Algorithms and Data Structures</a:t>
             </a:r>
           </a:p>
           <a:p>
@@ -7863,7 +7856,7 @@
     </p:spTree>
     <p:extLst>
       <p:ext uri="{BB962C8B-B14F-4D97-AF65-F5344CB8AC3E}">
-        <p14:creationId xmlns:p14="http://schemas.microsoft.com/office/powerpoint/2010/main" val="10183048"/>
+        <p14:creationId xmlns:p14="http://schemas.microsoft.com/office/powerpoint/2010/main" val="1565137143"/>
       </p:ext>
     </p:extLst>
   </p:cSld>
@@ -7873,380 +7866,9 @@
   <p:timing>
     <p:tnLst>
       <p:par>
-        <p:cTn id="1" dur="indefinite" restart="never" nodeType="tmRoot">
-          <p:childTnLst>
-            <p:seq concurrent="1" nextAc="seek">
-              <p:cTn id="2" dur="indefinite" nodeType="mainSeq">
-                <p:childTnLst>
-                  <p:par>
-                    <p:cTn id="3" fill="hold">
-                      <p:stCondLst>
-                        <p:cond delay="indefinite"/>
-                      </p:stCondLst>
-                      <p:childTnLst>
-                        <p:par>
-                          <p:cTn id="4" fill="hold">
-                            <p:stCondLst>
-                              <p:cond delay="0"/>
-                            </p:stCondLst>
-                            <p:childTnLst>
-                              <p:par>
-                                <p:cTn id="5" presetID="42" presetClass="entr" presetSubtype="0" fill="hold" grpId="0" nodeType="clickEffect">
-                                  <p:stCondLst>
-                                    <p:cond delay="0"/>
-                                  </p:stCondLst>
-                                  <p:childTnLst>
-                                    <p:set>
-                                      <p:cBhvr>
-                                        <p:cTn id="6" dur="1" fill="hold">
-                                          <p:stCondLst>
-                                            <p:cond delay="0"/>
-                                          </p:stCondLst>
-                                        </p:cTn>
-                                        <p:tgtEl>
-                                          <p:spTgt spid="3">
-                                            <p:txEl>
-                                              <p:pRg st="0" end="0"/>
-                                            </p:txEl>
-                                          </p:spTgt>
-                                        </p:tgtEl>
-                                        <p:attrNameLst>
-                                          <p:attrName>style.visibility</p:attrName>
-                                        </p:attrNameLst>
-                                      </p:cBhvr>
-                                      <p:to>
-                                        <p:strVal val="visible"/>
-                                      </p:to>
-                                    </p:set>
-                                    <p:animEffect transition="in" filter="fade">
-                                      <p:cBhvr>
-                                        <p:cTn id="7" dur="1000"/>
-                                        <p:tgtEl>
-                                          <p:spTgt spid="3">
-                                            <p:txEl>
-                                              <p:pRg st="0" end="0"/>
-                                            </p:txEl>
-                                          </p:spTgt>
-                                        </p:tgtEl>
-                                      </p:cBhvr>
-                                    </p:animEffect>
-                                    <p:anim calcmode="lin" valueType="num">
-                                      <p:cBhvr>
-                                        <p:cTn id="8" dur="1000" fill="hold"/>
-                                        <p:tgtEl>
-                                          <p:spTgt spid="3">
-                                            <p:txEl>
-                                              <p:pRg st="0" end="0"/>
-                                            </p:txEl>
-                                          </p:spTgt>
-                                        </p:tgtEl>
-                                        <p:attrNameLst>
-                                          <p:attrName>ppt_x</p:attrName>
-                                        </p:attrNameLst>
-                                      </p:cBhvr>
-                                      <p:tavLst>
-                                        <p:tav tm="0">
-                                          <p:val>
-                                            <p:strVal val="#ppt_x"/>
-                                          </p:val>
-                                        </p:tav>
-                                        <p:tav tm="100000">
-                                          <p:val>
-                                            <p:strVal val="#ppt_x"/>
-                                          </p:val>
-                                        </p:tav>
-                                      </p:tavLst>
-                                    </p:anim>
-                                    <p:anim calcmode="lin" valueType="num">
-                                      <p:cBhvr>
-                                        <p:cTn id="9" dur="1000" fill="hold"/>
-                                        <p:tgtEl>
-                                          <p:spTgt spid="3">
-                                            <p:txEl>
-                                              <p:pRg st="0" end="0"/>
-                                            </p:txEl>
-                                          </p:spTgt>
-                                        </p:tgtEl>
-                                        <p:attrNameLst>
-                                          <p:attrName>ppt_y</p:attrName>
-                                        </p:attrNameLst>
-                                      </p:cBhvr>
-                                      <p:tavLst>
-                                        <p:tav tm="0">
-                                          <p:val>
-                                            <p:strVal val="#ppt_y+.1"/>
-                                          </p:val>
-                                        </p:tav>
-                                        <p:tav tm="100000">
-                                          <p:val>
-                                            <p:strVal val="#ppt_y"/>
-                                          </p:val>
-                                        </p:tav>
-                                      </p:tavLst>
-                                    </p:anim>
-                                  </p:childTnLst>
-                                </p:cTn>
-                              </p:par>
-                            </p:childTnLst>
-                          </p:cTn>
-                        </p:par>
-                      </p:childTnLst>
-                    </p:cTn>
-                  </p:par>
-                  <p:par>
-                    <p:cTn id="10" fill="hold">
-                      <p:stCondLst>
-                        <p:cond delay="indefinite"/>
-                      </p:stCondLst>
-                      <p:childTnLst>
-                        <p:par>
-                          <p:cTn id="11" fill="hold">
-                            <p:stCondLst>
-                              <p:cond delay="0"/>
-                            </p:stCondLst>
-                            <p:childTnLst>
-                              <p:par>
-                                <p:cTn id="12" presetID="42" presetClass="entr" presetSubtype="0" fill="hold" grpId="0" nodeType="clickEffect">
-                                  <p:stCondLst>
-                                    <p:cond delay="0"/>
-                                  </p:stCondLst>
-                                  <p:childTnLst>
-                                    <p:set>
-                                      <p:cBhvr>
-                                        <p:cTn id="13" dur="1" fill="hold">
-                                          <p:stCondLst>
-                                            <p:cond delay="0"/>
-                                          </p:stCondLst>
-                                        </p:cTn>
-                                        <p:tgtEl>
-                                          <p:spTgt spid="3">
-                                            <p:txEl>
-                                              <p:pRg st="2" end="2"/>
-                                            </p:txEl>
-                                          </p:spTgt>
-                                        </p:tgtEl>
-                                        <p:attrNameLst>
-                                          <p:attrName>style.visibility</p:attrName>
-                                        </p:attrNameLst>
-                                      </p:cBhvr>
-                                      <p:to>
-                                        <p:strVal val="visible"/>
-                                      </p:to>
-                                    </p:set>
-                                    <p:animEffect transition="in" filter="fade">
-                                      <p:cBhvr>
-                                        <p:cTn id="14" dur="1000"/>
-                                        <p:tgtEl>
-                                          <p:spTgt spid="3">
-                                            <p:txEl>
-                                              <p:pRg st="2" end="2"/>
-                                            </p:txEl>
-                                          </p:spTgt>
-                                        </p:tgtEl>
-                                      </p:cBhvr>
-                                    </p:animEffect>
-                                    <p:anim calcmode="lin" valueType="num">
-                                      <p:cBhvr>
-                                        <p:cTn id="15" dur="1000" fill="hold"/>
-                                        <p:tgtEl>
-                                          <p:spTgt spid="3">
-                                            <p:txEl>
-                                              <p:pRg st="2" end="2"/>
-                                            </p:txEl>
-                                          </p:spTgt>
-                                        </p:tgtEl>
-                                        <p:attrNameLst>
-                                          <p:attrName>ppt_x</p:attrName>
-                                        </p:attrNameLst>
-                                      </p:cBhvr>
-                                      <p:tavLst>
-                                        <p:tav tm="0">
-                                          <p:val>
-                                            <p:strVal val="#ppt_x"/>
-                                          </p:val>
-                                        </p:tav>
-                                        <p:tav tm="100000">
-                                          <p:val>
-                                            <p:strVal val="#ppt_x"/>
-                                          </p:val>
-                                        </p:tav>
-                                      </p:tavLst>
-                                    </p:anim>
-                                    <p:anim calcmode="lin" valueType="num">
-                                      <p:cBhvr>
-                                        <p:cTn id="16" dur="1000" fill="hold"/>
-                                        <p:tgtEl>
-                                          <p:spTgt spid="3">
-                                            <p:txEl>
-                                              <p:pRg st="2" end="2"/>
-                                            </p:txEl>
-                                          </p:spTgt>
-                                        </p:tgtEl>
-                                        <p:attrNameLst>
-                                          <p:attrName>ppt_y</p:attrName>
-                                        </p:attrNameLst>
-                                      </p:cBhvr>
-                                      <p:tavLst>
-                                        <p:tav tm="0">
-                                          <p:val>
-                                            <p:strVal val="#ppt_y+.1"/>
-                                          </p:val>
-                                        </p:tav>
-                                        <p:tav tm="100000">
-                                          <p:val>
-                                            <p:strVal val="#ppt_y"/>
-                                          </p:val>
-                                        </p:tav>
-                                      </p:tavLst>
-                                    </p:anim>
-                                  </p:childTnLst>
-                                </p:cTn>
-                              </p:par>
-                            </p:childTnLst>
-                          </p:cTn>
-                        </p:par>
-                      </p:childTnLst>
-                    </p:cTn>
-                  </p:par>
-                  <p:par>
-                    <p:cTn id="17" fill="hold">
-                      <p:stCondLst>
-                        <p:cond delay="indefinite"/>
-                      </p:stCondLst>
-                      <p:childTnLst>
-                        <p:par>
-                          <p:cTn id="18" fill="hold">
-                            <p:stCondLst>
-                              <p:cond delay="0"/>
-                            </p:stCondLst>
-                            <p:childTnLst>
-                              <p:par>
-                                <p:cTn id="19" presetID="42" presetClass="entr" presetSubtype="0" fill="hold" grpId="0" nodeType="clickEffect">
-                                  <p:stCondLst>
-                                    <p:cond delay="0"/>
-                                  </p:stCondLst>
-                                  <p:childTnLst>
-                                    <p:set>
-                                      <p:cBhvr>
-                                        <p:cTn id="20" dur="1" fill="hold">
-                                          <p:stCondLst>
-                                            <p:cond delay="0"/>
-                                          </p:stCondLst>
-                                        </p:cTn>
-                                        <p:tgtEl>
-                                          <p:spTgt spid="3">
-                                            <p:txEl>
-                                              <p:pRg st="4" end="4"/>
-                                            </p:txEl>
-                                          </p:spTgt>
-                                        </p:tgtEl>
-                                        <p:attrNameLst>
-                                          <p:attrName>style.visibility</p:attrName>
-                                        </p:attrNameLst>
-                                      </p:cBhvr>
-                                      <p:to>
-                                        <p:strVal val="visible"/>
-                                      </p:to>
-                                    </p:set>
-                                    <p:animEffect transition="in" filter="fade">
-                                      <p:cBhvr>
-                                        <p:cTn id="21" dur="1000"/>
-                                        <p:tgtEl>
-                                          <p:spTgt spid="3">
-                                            <p:txEl>
-                                              <p:pRg st="4" end="4"/>
-                                            </p:txEl>
-                                          </p:spTgt>
-                                        </p:tgtEl>
-                                      </p:cBhvr>
-                                    </p:animEffect>
-                                    <p:anim calcmode="lin" valueType="num">
-                                      <p:cBhvr>
-                                        <p:cTn id="22" dur="1000" fill="hold"/>
-                                        <p:tgtEl>
-                                          <p:spTgt spid="3">
-                                            <p:txEl>
-                                              <p:pRg st="4" end="4"/>
-                                            </p:txEl>
-                                          </p:spTgt>
-                                        </p:tgtEl>
-                                        <p:attrNameLst>
-                                          <p:attrName>ppt_x</p:attrName>
-                                        </p:attrNameLst>
-                                      </p:cBhvr>
-                                      <p:tavLst>
-                                        <p:tav tm="0">
-                                          <p:val>
-                                            <p:strVal val="#ppt_x"/>
-                                          </p:val>
-                                        </p:tav>
-                                        <p:tav tm="100000">
-                                          <p:val>
-                                            <p:strVal val="#ppt_x"/>
-                                          </p:val>
-                                        </p:tav>
-                                      </p:tavLst>
-                                    </p:anim>
-                                    <p:anim calcmode="lin" valueType="num">
-                                      <p:cBhvr>
-                                        <p:cTn id="23" dur="1000" fill="hold"/>
-                                        <p:tgtEl>
-                                          <p:spTgt spid="3">
-                                            <p:txEl>
-                                              <p:pRg st="4" end="4"/>
-                                            </p:txEl>
-                                          </p:spTgt>
-                                        </p:tgtEl>
-                                        <p:attrNameLst>
-                                          <p:attrName>ppt_y</p:attrName>
-                                        </p:attrNameLst>
-                                      </p:cBhvr>
-                                      <p:tavLst>
-                                        <p:tav tm="0">
-                                          <p:val>
-                                            <p:strVal val="#ppt_y+.1"/>
-                                          </p:val>
-                                        </p:tav>
-                                        <p:tav tm="100000">
-                                          <p:val>
-                                            <p:strVal val="#ppt_y"/>
-                                          </p:val>
-                                        </p:tav>
-                                      </p:tavLst>
-                                    </p:anim>
-                                  </p:childTnLst>
-                                </p:cTn>
-                              </p:par>
-                            </p:childTnLst>
-                          </p:cTn>
-                        </p:par>
-                      </p:childTnLst>
-                    </p:cTn>
-                  </p:par>
-                </p:childTnLst>
-              </p:cTn>
-              <p:prevCondLst>
-                <p:cond evt="onPrev" delay="0">
-                  <p:tgtEl>
-                    <p:sldTgt/>
-                  </p:tgtEl>
-                </p:cond>
-              </p:prevCondLst>
-              <p:nextCondLst>
-                <p:cond evt="onNext" delay="0">
-                  <p:tgtEl>
-                    <p:sldTgt/>
-                  </p:tgtEl>
-                </p:cond>
-              </p:nextCondLst>
-            </p:seq>
-          </p:childTnLst>
-        </p:cTn>
+        <p:cTn id="1" dur="indefinite" restart="never" nodeType="tmRoot"/>
       </p:par>
     </p:tnLst>
-    <p:bldLst>
-      <p:bldP spid="3" grpId="0" build="p"/>
-    </p:bldLst>
   </p:timing>
 </p:sld>
 </file>
@@ -8442,25 +8064,24 @@
           <a:p>
             <a:r>
               <a:rPr lang="en-US" dirty="0" smtClean="0"/>
-              <a:t>Schedule for quizzes is provided in the plan and will be followed accordingly. No retake for quizzes however, 4/5 will be considered.</a:t>
-            </a:r>
+              <a:t>Quizzes will be announced a week before. There are no retake for quizzes. Accommodate your other plans accordingly.</a:t>
+            </a:r>
+          </a:p>
+          <a:p>
             <a:endParaRPr lang="en-US" dirty="0" smtClean="0"/>
           </a:p>
           <a:p>
-            <a:endParaRPr lang="en-US" dirty="0" smtClean="0"/>
-          </a:p>
-          <a:p>
             <a:pPr marL="0" indent="0">
               <a:buNone/>
             </a:pPr>
             <a:r>
-              <a:rPr lang="en-US" b="1" strike="sngStrike" dirty="0" smtClean="0"/>
+              <a:rPr lang="en-US" b="1" dirty="0" smtClean="0"/>
               <a:t>Project:</a:t>
             </a:r>
           </a:p>
           <a:p>
             <a:r>
-              <a:rPr lang="en-US" strike="sngStrike" dirty="0" smtClean="0"/>
+              <a:rPr lang="en-US" dirty="0" smtClean="0"/>
               <a:t>The course project would have groups of two students each. The ideas for projects would be discussed later in the course.</a:t>
             </a:r>
           </a:p>
@@ -8541,8 +8162,8 @@
           <a:lstStyle/>
           <a:p>
             <a:r>
-              <a:rPr lang="en-US" b="1" dirty="0"/>
-              <a:t>CS458 Natural Language Processing</a:t>
+              <a:rPr lang="en-US" dirty="0" smtClean="0"/>
+              <a:t>Course Description</a:t>
             </a:r>
             <a:endParaRPr lang="en-US" dirty="0"/>
           </a:p>
@@ -8560,53 +8181,25 @@
         </p:nvSpPr>
         <p:spPr/>
         <p:txBody>
-          <a:bodyPr/>
+          <a:bodyPr>
+            <a:normAutofit fontScale="92500" lnSpcReduction="20000"/>
+          </a:bodyPr>
           <a:lstStyle/>
           <a:p>
             <a:pPr marL="0" indent="0">
               <a:buNone/>
             </a:pPr>
             <a:r>
-              <a:rPr lang="en-US" b="1" dirty="0"/>
-              <a:t>Pre-Requisites:</a:t>
-            </a:r>
-            <a:endParaRPr lang="en-US" dirty="0"/>
-          </a:p>
-          <a:p>
-            <a:pPr lvl="0"/>
-            <a:r>
               <a:rPr lang="en-US" dirty="0"/>
-              <a:t>Prior knowledge of a Programming Language, ideally Java or Python</a:t>
-            </a:r>
-          </a:p>
-          <a:p>
-            <a:pPr lvl="0"/>
-            <a:r>
-              <a:rPr lang="en-US" dirty="0"/>
-              <a:t>Basic understanding of </a:t>
-            </a:r>
-            <a:r>
-              <a:rPr lang="en-US" dirty="0" smtClean="0"/>
-              <a:t>Mathematics</a:t>
-            </a:r>
-            <a:endParaRPr lang="en-US" dirty="0"/>
-          </a:p>
-          <a:p>
-            <a:pPr lvl="0"/>
-            <a:r>
-              <a:rPr lang="en-US" dirty="0"/>
-              <a:t>Understanding of Algorithms and Data Structures</a:t>
-            </a:r>
-          </a:p>
-          <a:p>
-            <a:endParaRPr lang="en-US" dirty="0"/>
+              <a:t>Natural language processing (NLP) addresses the fundamental questions at the intersection of human languages and computer science. It devises techniques that would help understand the basic language structure and processing it for various needs. This empowers users to get insights into observed human phenomena. It is an interdisciplinary course that helps to learn computers do useful things with human languages by mining high quality information from text and converting it to actionable knowledge. It may facilitate human life in different areas including business intelligence, information acquisition, social behavior analysis and decision making etc. The course introduces computational methods that can help linguistics explain language phenomena, inducing automatic discovery of different word senses and phrase structures. The course discusses statistical and probabilistic methods that have revolutionized NLP in the past decade.</a:t>
+            </a:r>
           </a:p>
         </p:txBody>
       </p:sp>
     </p:spTree>
     <p:extLst>
       <p:ext uri="{BB962C8B-B14F-4D97-AF65-F5344CB8AC3E}">
-        <p14:creationId xmlns:p14="http://schemas.microsoft.com/office/powerpoint/2010/main" val="2364627540"/>
+        <p14:creationId xmlns:p14="http://schemas.microsoft.com/office/powerpoint/2010/main" val="3978630530"/>
       </p:ext>
     </p:extLst>
   </p:cSld>
@@ -8657,7 +8250,7 @@
           <a:p>
             <a:r>
               <a:rPr lang="en-US" dirty="0" smtClean="0"/>
-              <a:t>Course Description</a:t>
+              <a:t>Course Objectives</a:t>
             </a:r>
             <a:endParaRPr lang="en-US" dirty="0"/>
           </a:p>
@@ -8676,55 +8269,62 @@
         <p:spPr/>
         <p:txBody>
           <a:bodyPr>
-            <a:normAutofit lnSpcReduction="10000"/>
+            <a:normAutofit fontScale="92500"/>
           </a:bodyPr>
           <a:lstStyle/>
           <a:p>
+            <a:pPr marL="0" indent="0">
+              <a:buNone/>
+            </a:pPr>
             <a:r>
               <a:rPr lang="en-US" dirty="0"/>
-              <a:t>Natural language processing (NLP) addresses the fundamental questions at the intersection of human languages and computer science. </a:t>
-            </a:r>
-            <a:endParaRPr lang="en-US" dirty="0" smtClean="0"/>
-          </a:p>
-          <a:p>
-            <a:r>
-              <a:rPr lang="en-US" dirty="0" smtClean="0"/>
-              <a:t>It </a:t>
-            </a:r>
+              <a:t>The students should achieve the following objectives from studying this course;</a:t>
+            </a:r>
+          </a:p>
+          <a:p>
+            <a:pPr lvl="0"/>
             <a:r>
               <a:rPr lang="en-US" dirty="0"/>
-              <a:t>devises techniques that would help understand the basic language structure and processing it for various needs. </a:t>
-            </a:r>
-            <a:endParaRPr lang="en-US" dirty="0" smtClean="0"/>
-          </a:p>
-          <a:p>
-            <a:r>
-              <a:rPr lang="en-US" dirty="0" smtClean="0"/>
-              <a:t>This </a:t>
-            </a:r>
+              <a:t>Build models that would process a natural language and learn about its structure</a:t>
+            </a:r>
+          </a:p>
+          <a:p>
+            <a:pPr lvl="0"/>
             <a:r>
               <a:rPr lang="en-US" dirty="0"/>
-              <a:t>empowers users to get insights into observed human phenomena. </a:t>
-            </a:r>
-            <a:endParaRPr lang="en-US" dirty="0" smtClean="0"/>
-          </a:p>
-          <a:p>
-            <a:r>
-              <a:rPr lang="en-US" dirty="0" smtClean="0"/>
-              <a:t>It </a:t>
-            </a:r>
+              <a:t>Perform lexical, syntactic and semantic analysis on textual data</a:t>
+            </a:r>
+          </a:p>
+          <a:p>
+            <a:pPr lvl="0"/>
             <a:r>
               <a:rPr lang="en-US" dirty="0"/>
-              <a:t>is an interdisciplinary course that helps to learn computers do useful things with human languages by mining high quality information from text and converting it to actionable knowledge. </a:t>
-            </a:r>
-            <a:endParaRPr lang="en-US" dirty="0" smtClean="0"/>
+              <a:t>Build models that would generate natural language</a:t>
+            </a:r>
+          </a:p>
+          <a:p>
+            <a:pPr lvl="0"/>
+            <a:r>
+              <a:rPr lang="en-US" dirty="0"/>
+              <a:t>Build models that would identify and extract useful information for text</a:t>
+            </a:r>
+          </a:p>
+          <a:p>
+            <a:pPr lvl="0"/>
+            <a:r>
+              <a:rPr lang="en-US" dirty="0"/>
+              <a:t>Have understanding of machine translation, comprehending natural language and pragmatics</a:t>
+            </a:r>
+          </a:p>
+          <a:p>
+            <a:endParaRPr lang="en-US" dirty="0"/>
           </a:p>
         </p:txBody>
       </p:sp>
     </p:spTree>
     <p:extLst>
       <p:ext uri="{BB962C8B-B14F-4D97-AF65-F5344CB8AC3E}">
-        <p14:creationId xmlns:p14="http://schemas.microsoft.com/office/powerpoint/2010/main" val="3978630530"/>
+        <p14:creationId xmlns:p14="http://schemas.microsoft.com/office/powerpoint/2010/main" val="3280920987"/>
       </p:ext>
     </p:extLst>
   </p:cSld>
@@ -8773,7 +8373,11 @@
           <a:bodyPr/>
           <a:lstStyle/>
           <a:p>
-            <a:endParaRPr lang="en-US"/>
+            <a:r>
+              <a:rPr lang="en-US" dirty="0" smtClean="0"/>
+              <a:t>Textbooks</a:t>
+            </a:r>
+            <a:endParaRPr lang="en-US" dirty="0"/>
           </a:p>
         </p:txBody>
       </p:sp>
@@ -8792,21 +8396,120 @@
           <a:bodyPr/>
           <a:lstStyle/>
           <a:p>
+            <a:pPr lvl="0"/>
+            <a:r>
+              <a:rPr lang="en-US" b="1" dirty="0"/>
+              <a:t>Speech and Language Processing</a:t>
+            </a:r>
             <a:r>
               <a:rPr lang="en-US" dirty="0"/>
-              <a:t>It may facilitate human life in different areas including business intelligence, information acquisition, social behavior analysis and decision making etc. </a:t>
-            </a:r>
-          </a:p>
-          <a:p>
+              <a:t>, by Daniel </a:t>
+            </a:r>
+            <a:r>
+              <a:rPr lang="en-US" dirty="0" err="1"/>
+              <a:t>Jurafsky</a:t>
+            </a:r>
             <a:r>
               <a:rPr lang="en-US" dirty="0"/>
-              <a:t>The course introduces computational methods that can help linguistics explain language phenomena, inducing automatic discovery of different word senses and phrase structures. </a:t>
-            </a:r>
-          </a:p>
-          <a:p>
+              <a:t> and James H. Martin, </a:t>
+            </a:r>
+            <a:r>
+              <a:rPr lang="en-US" dirty="0" smtClean="0"/>
+              <a:t>3</a:t>
+            </a:r>
+            <a:r>
+              <a:rPr lang="en-US" baseline="30000" dirty="0" smtClean="0"/>
+              <a:t>rd</a:t>
+            </a:r>
+            <a:r>
+              <a:rPr lang="en-US" dirty="0" smtClean="0"/>
+              <a:t> </a:t>
+            </a:r>
             <a:r>
               <a:rPr lang="en-US" dirty="0"/>
-              <a:t>The course discusses statistical and probabilistic methods that have revolutionized NLP in the past decade.</a:t>
+              <a:t>Edition </a:t>
+            </a:r>
+            <a:r>
+              <a:rPr lang="en-US" dirty="0" smtClean="0"/>
+              <a:t>2019</a:t>
+            </a:r>
+            <a:endParaRPr lang="en-US" b="1" dirty="0" smtClean="0"/>
+          </a:p>
+          <a:p>
+            <a:pPr lvl="0"/>
+            <a:r>
+              <a:rPr lang="en-US" b="1" dirty="0" smtClean="0"/>
+              <a:t>Speech </a:t>
+            </a:r>
+            <a:r>
+              <a:rPr lang="en-US" b="1" dirty="0"/>
+              <a:t>and Language Processing</a:t>
+            </a:r>
+            <a:r>
+              <a:rPr lang="en-US" dirty="0"/>
+              <a:t>, by Daniel </a:t>
+            </a:r>
+            <a:r>
+              <a:rPr lang="en-US" dirty="0" err="1"/>
+              <a:t>Jurafsky</a:t>
+            </a:r>
+            <a:r>
+              <a:rPr lang="en-US" dirty="0"/>
+              <a:t> and James H. Martin, 2</a:t>
+            </a:r>
+            <a:r>
+              <a:rPr lang="en-US" baseline="30000" dirty="0"/>
+              <a:t>nd</a:t>
+            </a:r>
+            <a:r>
+              <a:rPr lang="en-US" dirty="0"/>
+              <a:t> Edition 2009.</a:t>
+            </a:r>
+          </a:p>
+          <a:p>
+            <a:pPr marL="0" indent="0">
+              <a:buNone/>
+            </a:pPr>
+            <a:r>
+              <a:rPr lang="en-US" dirty="0"/>
+              <a:t> </a:t>
+            </a:r>
+          </a:p>
+          <a:p>
+            <a:pPr marL="0" indent="0">
+              <a:buNone/>
+            </a:pPr>
+            <a:r>
+              <a:rPr lang="en-US" b="1" dirty="0"/>
+              <a:t>Reference Book(s):</a:t>
+            </a:r>
+            <a:endParaRPr lang="en-US" dirty="0"/>
+          </a:p>
+          <a:p>
+            <a:pPr lvl="0"/>
+            <a:r>
+              <a:rPr lang="en-US" b="1" dirty="0"/>
+              <a:t>Natural Language Processing with Java.</a:t>
+            </a:r>
+            <a:r>
+              <a:rPr lang="en-US" dirty="0"/>
+              <a:t> Richard M. Reese, </a:t>
+            </a:r>
+            <a:r>
+              <a:rPr lang="en-US" dirty="0" err="1"/>
+              <a:t>AshishSingh</a:t>
+            </a:r>
+            <a:r>
+              <a:rPr lang="en-US" dirty="0"/>
+              <a:t> Bhatia, </a:t>
+            </a:r>
+            <a:r>
+              <a:rPr lang="en-US" dirty="0" err="1"/>
+              <a:t>Packt</a:t>
+            </a:r>
+            <a:r>
+              <a:rPr lang="en-US" dirty="0"/>
+              <a:t> publishing limited, 2015.</a:t>
             </a:r>
           </a:p>
           <a:p>
@@ -8817,7 +8520,7 @@
     </p:spTree>
     <p:extLst>
       <p:ext uri="{BB962C8B-B14F-4D97-AF65-F5344CB8AC3E}">
-        <p14:creationId xmlns:p14="http://schemas.microsoft.com/office/powerpoint/2010/main" val="675191789"/>
+        <p14:creationId xmlns:p14="http://schemas.microsoft.com/office/powerpoint/2010/main" val="1368152100"/>
       </p:ext>
     </p:extLst>
   </p:cSld>
@@ -8868,336 +8571,6 @@
           <a:p>
             <a:r>
               <a:rPr lang="en-US" dirty="0" smtClean="0"/>
-              <a:t>Course Objectives</a:t>
-            </a:r>
-            <a:endParaRPr lang="en-US" dirty="0"/>
-          </a:p>
-        </p:txBody>
-      </p:sp>
-      <p:sp>
-        <p:nvSpPr>
-          <p:cNvPr id="3" name="Content Placeholder 2"/>
-          <p:cNvSpPr>
-            <a:spLocks noGrp="1"/>
-          </p:cNvSpPr>
-          <p:nvPr>
-            <p:ph idx="1"/>
-          </p:nvPr>
-        </p:nvSpPr>
-        <p:spPr/>
-        <p:txBody>
-          <a:bodyPr>
-            <a:normAutofit/>
-          </a:bodyPr>
-          <a:lstStyle/>
-          <a:p>
-            <a:pPr marL="0" indent="0">
-              <a:buNone/>
-            </a:pPr>
-            <a:r>
-              <a:rPr lang="en-US" dirty="0"/>
-              <a:t>The students should achieve the following objectives from studying this course;</a:t>
-            </a:r>
-          </a:p>
-          <a:p>
-            <a:pPr lvl="1"/>
-            <a:r>
-              <a:rPr lang="en-US" dirty="0"/>
-              <a:t>Build models that would process a natural language and learn about its structure</a:t>
-            </a:r>
-          </a:p>
-          <a:p>
-            <a:pPr lvl="1"/>
-            <a:r>
-              <a:rPr lang="en-US" dirty="0"/>
-              <a:t>Perform lexical, syntactic and semantic analysis on textual data</a:t>
-            </a:r>
-          </a:p>
-          <a:p>
-            <a:pPr lvl="1"/>
-            <a:r>
-              <a:rPr lang="en-US" dirty="0" smtClean="0"/>
-              <a:t>Apply machine learning techniques on textual data</a:t>
-            </a:r>
-          </a:p>
-          <a:p>
-            <a:pPr lvl="1"/>
-            <a:r>
-              <a:rPr lang="en-US" dirty="0" smtClean="0"/>
-              <a:t>Build </a:t>
-            </a:r>
-            <a:r>
-              <a:rPr lang="en-US" dirty="0"/>
-              <a:t>models that would identify and extract useful information for </a:t>
-            </a:r>
-            <a:r>
-              <a:rPr lang="en-US" dirty="0" smtClean="0"/>
-              <a:t>text</a:t>
-            </a:r>
-          </a:p>
-          <a:p>
-            <a:pPr lvl="1"/>
-            <a:r>
-              <a:rPr lang="en-US" dirty="0" smtClean="0"/>
-              <a:t>Build sentiment analysis models</a:t>
-            </a:r>
-            <a:endParaRPr lang="en-US" dirty="0"/>
-          </a:p>
-          <a:p>
-            <a:endParaRPr lang="en-US" dirty="0"/>
-          </a:p>
-        </p:txBody>
-      </p:sp>
-    </p:spTree>
-    <p:extLst>
-      <p:ext uri="{BB962C8B-B14F-4D97-AF65-F5344CB8AC3E}">
-        <p14:creationId xmlns:p14="http://schemas.microsoft.com/office/powerpoint/2010/main" val="3280920987"/>
-      </p:ext>
-    </p:extLst>
-  </p:cSld>
-  <p:clrMapOvr>
-    <a:masterClrMapping/>
-  </p:clrMapOvr>
-  <p:timing>
-    <p:tnLst>
-      <p:par>
-        <p:cTn id="1" dur="indefinite" restart="never" nodeType="tmRoot"/>
-      </p:par>
-    </p:tnLst>
-  </p:timing>
-</p:sld>
-</file>
-
-<file path=ppt/slides/slide17.xml><?xml version="1.0" encoding="utf-8"?>
-<p:sld xmlns:a="http://schemas.openxmlformats.org/drawingml/2006/main" xmlns:r="http://schemas.openxmlformats.org/officeDocument/2006/relationships" xmlns:p="http://schemas.openxmlformats.org/presentationml/2006/main">
-  <p:cSld>
-    <p:spTree>
-      <p:nvGrpSpPr>
-        <p:cNvPr id="1" name=""/>
-        <p:cNvGrpSpPr/>
-        <p:nvPr/>
-      </p:nvGrpSpPr>
-      <p:grpSpPr>
-        <a:xfrm>
-          <a:off x="0" y="0"/>
-          <a:ext cx="0" cy="0"/>
-          <a:chOff x="0" y="0"/>
-          <a:chExt cx="0" cy="0"/>
-        </a:xfrm>
-      </p:grpSpPr>
-      <p:sp>
-        <p:nvSpPr>
-          <p:cNvPr id="2" name="Title 1"/>
-          <p:cNvSpPr>
-            <a:spLocks noGrp="1"/>
-          </p:cNvSpPr>
-          <p:nvPr>
-            <p:ph type="title"/>
-          </p:nvPr>
-        </p:nvSpPr>
-        <p:spPr/>
-        <p:txBody>
-          <a:bodyPr/>
-          <a:lstStyle/>
-          <a:p>
-            <a:r>
-              <a:rPr lang="en-US" dirty="0" smtClean="0"/>
-              <a:t>Textbooks</a:t>
-            </a:r>
-            <a:endParaRPr lang="en-US" dirty="0"/>
-          </a:p>
-        </p:txBody>
-      </p:sp>
-      <p:sp>
-        <p:nvSpPr>
-          <p:cNvPr id="3" name="Content Placeholder 2"/>
-          <p:cNvSpPr>
-            <a:spLocks noGrp="1"/>
-          </p:cNvSpPr>
-          <p:nvPr>
-            <p:ph idx="1"/>
-          </p:nvPr>
-        </p:nvSpPr>
-        <p:spPr/>
-        <p:txBody>
-          <a:bodyPr/>
-          <a:lstStyle/>
-          <a:p>
-            <a:pPr lvl="0"/>
-            <a:r>
-              <a:rPr lang="en-US" b="1" dirty="0"/>
-              <a:t>Speech and Language Processing</a:t>
-            </a:r>
-            <a:r>
-              <a:rPr lang="en-US" dirty="0"/>
-              <a:t>, by Daniel </a:t>
-            </a:r>
-            <a:r>
-              <a:rPr lang="en-US" dirty="0" err="1"/>
-              <a:t>Jurafsky</a:t>
-            </a:r>
-            <a:r>
-              <a:rPr lang="en-US" dirty="0"/>
-              <a:t> and James H. Martin, </a:t>
-            </a:r>
-            <a:r>
-              <a:rPr lang="en-US" dirty="0" smtClean="0"/>
-              <a:t>3</a:t>
-            </a:r>
-            <a:r>
-              <a:rPr lang="en-US" baseline="30000" dirty="0" smtClean="0"/>
-              <a:t>rd</a:t>
-            </a:r>
-            <a:r>
-              <a:rPr lang="en-US" dirty="0" smtClean="0"/>
-              <a:t> </a:t>
-            </a:r>
-            <a:r>
-              <a:rPr lang="en-US" dirty="0"/>
-              <a:t>Edition </a:t>
-            </a:r>
-            <a:r>
-              <a:rPr lang="en-US" dirty="0" smtClean="0"/>
-              <a:t>2019</a:t>
-            </a:r>
-            <a:endParaRPr lang="en-US" b="1" dirty="0" smtClean="0"/>
-          </a:p>
-          <a:p>
-            <a:pPr lvl="0"/>
-            <a:r>
-              <a:rPr lang="en-US" b="1" dirty="0" smtClean="0"/>
-              <a:t>Speech </a:t>
-            </a:r>
-            <a:r>
-              <a:rPr lang="en-US" b="1" dirty="0"/>
-              <a:t>and Language Processing</a:t>
-            </a:r>
-            <a:r>
-              <a:rPr lang="en-US" dirty="0"/>
-              <a:t>, by Daniel </a:t>
-            </a:r>
-            <a:r>
-              <a:rPr lang="en-US" dirty="0" err="1"/>
-              <a:t>Jurafsky</a:t>
-            </a:r>
-            <a:r>
-              <a:rPr lang="en-US" dirty="0"/>
-              <a:t> and James H. Martin, 2</a:t>
-            </a:r>
-            <a:r>
-              <a:rPr lang="en-US" baseline="30000" dirty="0"/>
-              <a:t>nd</a:t>
-            </a:r>
-            <a:r>
-              <a:rPr lang="en-US" dirty="0"/>
-              <a:t> Edition 2009.</a:t>
-            </a:r>
-          </a:p>
-          <a:p>
-            <a:pPr marL="0" indent="0">
-              <a:buNone/>
-            </a:pPr>
-            <a:r>
-              <a:rPr lang="en-US" dirty="0"/>
-              <a:t> </a:t>
-            </a:r>
-          </a:p>
-          <a:p>
-            <a:pPr marL="0" indent="0">
-              <a:buNone/>
-            </a:pPr>
-            <a:r>
-              <a:rPr lang="en-US" b="1" dirty="0"/>
-              <a:t>Reference Book(s):</a:t>
-            </a:r>
-            <a:endParaRPr lang="en-US" dirty="0"/>
-          </a:p>
-          <a:p>
-            <a:pPr lvl="0"/>
-            <a:r>
-              <a:rPr lang="en-US" b="1" dirty="0"/>
-              <a:t>Natural Language Processing with Java.</a:t>
-            </a:r>
-            <a:r>
-              <a:rPr lang="en-US" dirty="0"/>
-              <a:t> Richard M. Reese, </a:t>
-            </a:r>
-            <a:r>
-              <a:rPr lang="en-US" dirty="0" err="1"/>
-              <a:t>AshishSingh</a:t>
-            </a:r>
-            <a:r>
-              <a:rPr lang="en-US" dirty="0"/>
-              <a:t> Bhatia, </a:t>
-            </a:r>
-            <a:r>
-              <a:rPr lang="en-US" dirty="0" err="1"/>
-              <a:t>Packt</a:t>
-            </a:r>
-            <a:r>
-              <a:rPr lang="en-US" dirty="0"/>
-              <a:t> publishing limited, 2015.</a:t>
-            </a:r>
-          </a:p>
-          <a:p>
-            <a:endParaRPr lang="en-US" dirty="0"/>
-          </a:p>
-        </p:txBody>
-      </p:sp>
-    </p:spTree>
-    <p:extLst>
-      <p:ext uri="{BB962C8B-B14F-4D97-AF65-F5344CB8AC3E}">
-        <p14:creationId xmlns:p14="http://schemas.microsoft.com/office/powerpoint/2010/main" val="1368152100"/>
-      </p:ext>
-    </p:extLst>
-  </p:cSld>
-  <p:clrMapOvr>
-    <a:masterClrMapping/>
-  </p:clrMapOvr>
-  <p:timing>
-    <p:tnLst>
-      <p:par>
-        <p:cTn id="1" dur="indefinite" restart="never" nodeType="tmRoot"/>
-      </p:par>
-    </p:tnLst>
-  </p:timing>
-</p:sld>
-</file>
-
-<file path=ppt/slides/slide18.xml><?xml version="1.0" encoding="utf-8"?>
-<p:sld xmlns:a="http://schemas.openxmlformats.org/drawingml/2006/main" xmlns:r="http://schemas.openxmlformats.org/officeDocument/2006/relationships" xmlns:p="http://schemas.openxmlformats.org/presentationml/2006/main">
-  <p:cSld>
-    <p:spTree>
-      <p:nvGrpSpPr>
-        <p:cNvPr id="1" name=""/>
-        <p:cNvGrpSpPr/>
-        <p:nvPr/>
-      </p:nvGrpSpPr>
-      <p:grpSpPr>
-        <a:xfrm>
-          <a:off x="0" y="0"/>
-          <a:ext cx="0" cy="0"/>
-          <a:chOff x="0" y="0"/>
-          <a:chExt cx="0" cy="0"/>
-        </a:xfrm>
-      </p:grpSpPr>
-      <p:sp>
-        <p:nvSpPr>
-          <p:cNvPr id="2" name="Title 1"/>
-          <p:cNvSpPr>
-            <a:spLocks noGrp="1"/>
-          </p:cNvSpPr>
-          <p:nvPr>
-            <p:ph type="title"/>
-          </p:nvPr>
-        </p:nvSpPr>
-        <p:spPr/>
-        <p:txBody>
-          <a:bodyPr/>
-          <a:lstStyle/>
-          <a:p>
-            <a:r>
-              <a:rPr lang="en-US" dirty="0" smtClean="0"/>
               <a:t>Assessments</a:t>
             </a:r>
             <a:endParaRPr lang="en-US" dirty="0"/>
@@ -9214,14 +8587,14 @@
             <p:ph idx="1"/>
             <p:extLst>
               <p:ext uri="{D42A27DB-BD31-4B8C-83A1-F6EECF244321}">
-                <p14:modId xmlns:p14="http://schemas.microsoft.com/office/powerpoint/2010/main" val="2118577228"/>
+                <p14:modId xmlns:p14="http://schemas.microsoft.com/office/powerpoint/2010/main" val="736288138"/>
               </p:ext>
             </p:extLst>
           </p:nvPr>
         </p:nvGraphicFramePr>
         <p:xfrm>
           <a:off x="680320" y="2318195"/>
-          <a:ext cx="9613863" cy="3593208"/>
+          <a:ext cx="9613863" cy="4192076"/>
         </p:xfrm>
         <a:graphic>
           <a:graphicData uri="http://schemas.openxmlformats.org/drawingml/2006/table">
@@ -9307,12 +8680,12 @@
                         </a:spcAft>
                       </a:pPr>
                       <a:r>
-                        <a:rPr lang="en-US" sz="2800" dirty="0">
+                        <a:rPr lang="en-US" sz="2800">
                           <a:effectLst/>
                         </a:rPr>
                         <a:t>Marks</a:t>
                       </a:r>
-                      <a:endParaRPr lang="en-US" sz="2400" dirty="0">
+                      <a:endParaRPr lang="en-US" sz="2400">
                         <a:effectLst/>
                         <a:latin typeface="Calibri" panose="020F0502020204030204" pitchFamily="34" charset="0"/>
                         <a:ea typeface="Times New Roman" panose="02020603050405020304" pitchFamily="18" charset="0"/>
@@ -9338,10 +8711,10 @@
                         </a:spcAft>
                       </a:pPr>
                       <a:r>
-                        <a:rPr lang="en-US" sz="2800" dirty="0" smtClean="0">
+                        <a:rPr lang="en-US" sz="2800" dirty="0">
                           <a:effectLst/>
                         </a:rPr>
-                        <a:t>Quizzes</a:t>
+                        <a:t>Assignments </a:t>
                       </a:r>
                       <a:endParaRPr lang="en-US" sz="2400" dirty="0">
                         <a:effectLst/>
@@ -9367,10 +8740,10 @@
                         </a:spcAft>
                       </a:pPr>
                       <a:r>
-                        <a:rPr lang="en-US" sz="2800" dirty="0" smtClean="0">
+                        <a:rPr lang="en-US" sz="2800" dirty="0">
                           <a:effectLst/>
                         </a:rPr>
-                        <a:t>4/5</a:t>
+                        <a:t>4</a:t>
                       </a:r>
                       <a:endParaRPr lang="en-US" sz="2400" dirty="0">
                         <a:effectLst/>
@@ -9427,12 +8800,12 @@
                         </a:spcAft>
                       </a:pPr>
                       <a:r>
-                        <a:rPr lang="en-US" sz="2800" dirty="0" smtClean="0">
+                        <a:rPr lang="en-US" sz="2800">
                           <a:effectLst/>
                         </a:rPr>
-                        <a:t>Assignments</a:t>
+                        <a:t>Quizzes</a:t>
                       </a:r>
-                      <a:endParaRPr lang="en-US" sz="2400" dirty="0">
+                      <a:endParaRPr lang="en-US" sz="2400">
                         <a:effectLst/>
                         <a:latin typeface="Calibri" panose="020F0502020204030204" pitchFamily="34" charset="0"/>
                         <a:ea typeface="Times New Roman" panose="02020603050405020304" pitchFamily="18" charset="0"/>
@@ -9456,7 +8829,7 @@
                         </a:spcAft>
                       </a:pPr>
                       <a:r>
-                        <a:rPr lang="en-US" sz="2800" dirty="0" smtClean="0">
+                        <a:rPr lang="en-US" sz="2800" dirty="0">
                           <a:effectLst/>
                         </a:rPr>
                         <a:t>4</a:t>
@@ -9485,10 +8858,93 @@
                         </a:spcAft>
                       </a:pPr>
                       <a:r>
+                        <a:rPr lang="en-US" sz="2800" dirty="0">
+                          <a:effectLst/>
+                        </a:rPr>
+                        <a:t>10</a:t>
+                      </a:r>
+                      <a:endParaRPr lang="en-US" sz="2400" dirty="0">
+                        <a:effectLst/>
+                        <a:latin typeface="Calibri" panose="020F0502020204030204" pitchFamily="34" charset="0"/>
+                        <a:ea typeface="Times New Roman" panose="02020603050405020304" pitchFamily="18" charset="0"/>
+                        <a:cs typeface="Arial" panose="020B0604020202020204" pitchFamily="34" charset="0"/>
+                      </a:endParaRPr>
+                    </a:p>
+                  </a:txBody>
+                  <a:tcPr marL="68580" marR="68580" marT="0" marB="0"/>
+                </a:tc>
+              </a:tr>
+              <a:tr h="598868">
+                <a:tc>
+                  <a:txBody>
+                    <a:bodyPr/>
+                    <a:lstStyle/>
+                    <a:p>
+                      <a:pPr algn="l" rtl="0">
+                        <a:lnSpc>
+                          <a:spcPct val="115000"/>
+                        </a:lnSpc>
+                        <a:spcAft>
+                          <a:spcPts val="0"/>
+                        </a:spcAft>
+                      </a:pPr>
+                      <a:r>
                         <a:rPr lang="en-US" sz="2800" dirty="0" smtClean="0">
                           <a:effectLst/>
                         </a:rPr>
-                        <a:t>15</a:t>
+                        <a:t>Class Conduct</a:t>
+                      </a:r>
+                      <a:endParaRPr lang="en-US" sz="2400" dirty="0">
+                        <a:effectLst/>
+                        <a:latin typeface="Calibri" panose="020F0502020204030204" pitchFamily="34" charset="0"/>
+                        <a:ea typeface="Times New Roman" panose="02020603050405020304" pitchFamily="18" charset="0"/>
+                        <a:cs typeface="Arial" panose="020B0604020202020204" pitchFamily="34" charset="0"/>
+                      </a:endParaRPr>
+                    </a:p>
+                  </a:txBody>
+                  <a:tcPr marL="68580" marR="68580" marT="0" marB="0"/>
+                </a:tc>
+                <a:tc>
+                  <a:txBody>
+                    <a:bodyPr/>
+                    <a:lstStyle/>
+                    <a:p>
+                      <a:pPr algn="l" rtl="0">
+                        <a:lnSpc>
+                          <a:spcPct val="115000"/>
+                        </a:lnSpc>
+                        <a:spcAft>
+                          <a:spcPts val="0"/>
+                        </a:spcAft>
+                      </a:pPr>
+                      <a:endParaRPr lang="en-US" sz="2400" dirty="0">
+                        <a:effectLst/>
+                        <a:latin typeface="Calibri" panose="020F0502020204030204" pitchFamily="34" charset="0"/>
+                        <a:ea typeface="Times New Roman" panose="02020603050405020304" pitchFamily="18" charset="0"/>
+                        <a:cs typeface="Arial" panose="020B0604020202020204" pitchFamily="34" charset="0"/>
+                      </a:endParaRPr>
+                    </a:p>
+                  </a:txBody>
+                  <a:tcPr marL="68580" marR="68580" marT="0" marB="0"/>
+                </a:tc>
+                <a:tc>
+                  <a:txBody>
+                    <a:bodyPr/>
+                    <a:lstStyle/>
+                    <a:p>
+                      <a:pPr algn="l" rtl="0">
+                        <a:lnSpc>
+                          <a:spcPct val="115000"/>
+                        </a:lnSpc>
+                        <a:spcAft>
+                          <a:spcPts val="0"/>
+                        </a:spcAft>
+                      </a:pPr>
+                      <a:r>
+                        <a:rPr lang="en-US" sz="2800" dirty="0" smtClean="0">
+                          <a:effectLst/>
+                        </a:rPr>
+                        <a:t>5</a:t>
                       </a:r>
                       <a:endParaRPr lang="en-US" sz="2400" dirty="0">
                         <a:effectLst/>
@@ -9793,9 +9249,6 @@
                       <a:r>
                         <a:rPr lang="en-US" sz="2800" dirty="0" smtClean="0">
                           <a:effectLst/>
-                          <a:latin typeface="+mn-lt"/>
-                          <a:ea typeface="+mn-ea"/>
-                          <a:cs typeface="+mn-cs"/>
                         </a:rPr>
                         <a:t>50</a:t>
                       </a:r>
@@ -9834,7 +9287,7 @@
 </p:sld>
 </file>
 
-<file path=ppt/slides/slide19.xml><?xml version="1.0" encoding="utf-8"?>
+<file path=ppt/slides/slide17.xml><?xml version="1.0" encoding="utf-8"?>
 <p:sld xmlns:a="http://schemas.openxmlformats.org/drawingml/2006/main" xmlns:r="http://schemas.openxmlformats.org/officeDocument/2006/relationships" xmlns:p="http://schemas.openxmlformats.org/presentationml/2006/main">
   <p:cSld>
     <p:spTree>
@@ -9876,21 +9329,21 @@
       </p:sp>
       <p:graphicFrame>
         <p:nvGraphicFramePr>
-          <p:cNvPr id="3" name="Table 2"/>
+          <p:cNvPr id="6" name="Table 5"/>
           <p:cNvGraphicFramePr>
             <a:graphicFrameLocks noGrp="1"/>
           </p:cNvGraphicFramePr>
           <p:nvPr>
             <p:extLst>
               <p:ext uri="{D42A27DB-BD31-4B8C-83A1-F6EECF244321}">
-                <p14:modId xmlns:p14="http://schemas.microsoft.com/office/powerpoint/2010/main" val="3096512986"/>
+                <p14:modId xmlns:p14="http://schemas.microsoft.com/office/powerpoint/2010/main" val="333007909"/>
               </p:ext>
             </p:extLst>
           </p:nvPr>
         </p:nvGraphicFramePr>
         <p:xfrm>
-          <a:off x="782675" y="1692862"/>
-          <a:ext cx="10692401" cy="5362956"/>
+          <a:off x="643943" y="1705735"/>
+          <a:ext cx="9826581" cy="5039868"/>
         </p:xfrm>
         <a:graphic>
           <a:graphicData uri="http://schemas.openxmlformats.org/drawingml/2006/table">
@@ -9899,10 +9352,10 @@
                 <a:tableStyleId>{5C22544A-7EE6-4342-B048-85BDC9FD1C3A}</a:tableStyleId>
               </a:tblPr>
               <a:tblGrid>
-                <a:gridCol w="2308255"/>
-                <a:gridCol w="8384146"/>
+                <a:gridCol w="1856337"/>
+                <a:gridCol w="7970244"/>
               </a:tblGrid>
-              <a:tr h="295877">
+              <a:tr h="289551">
                 <a:tc>
                   <a:txBody>
                     <a:bodyPr/>
@@ -9968,7 +9421,7 @@
                   <a:tcPr marL="63722" marR="63722" marT="0" marB="0"/>
                 </a:tc>
               </a:tr>
-              <a:tr h="295877">
+              <a:tr h="289551">
                 <a:tc>
                   <a:txBody>
                     <a:bodyPr/>
@@ -9986,12 +9439,12 @@
                         </a:spcAft>
                       </a:pPr>
                       <a:r>
-                        <a:rPr lang="en-US" sz="1800">
+                        <a:rPr lang="en-US" sz="1800" b="0">
                           <a:effectLst/>
                         </a:rPr>
                         <a:t>Week 1</a:t>
                       </a:r>
-                      <a:endParaRPr lang="en-US" sz="1200">
+                      <a:endParaRPr lang="en-US" sz="1200" b="0">
                         <a:effectLst/>
                         <a:latin typeface="Calibri"/>
                         <a:ea typeface="Times New Roman"/>
@@ -10018,12 +9471,12 @@
                         </a:spcAft>
                       </a:pPr>
                       <a:r>
-                        <a:rPr lang="en-US" sz="1200">
+                        <a:rPr lang="en-US" sz="1400" dirty="0">
                           <a:effectLst/>
                         </a:rPr>
                         <a:t>Introduction to the Course</a:t>
                       </a:r>
-                      <a:endParaRPr lang="en-US" sz="1200">
+                      <a:endParaRPr lang="en-US" sz="1400" dirty="0">
                         <a:effectLst/>
                         <a:latin typeface="Calibri"/>
                         <a:ea typeface="Times New Roman"/>
@@ -10034,7 +9487,7 @@
                   <a:tcPr marL="63722" marR="63722" marT="0" marB="0"/>
                 </a:tc>
               </a:tr>
-              <a:tr h="295877">
+              <a:tr h="289551">
                 <a:tc>
                   <a:txBody>
                     <a:bodyPr/>
@@ -10052,12 +9505,12 @@
                         </a:spcAft>
                       </a:pPr>
                       <a:r>
-                        <a:rPr lang="en-US" sz="1800">
+                        <a:rPr lang="en-US" sz="1800" b="0">
                           <a:effectLst/>
                         </a:rPr>
                         <a:t>Week 2</a:t>
                       </a:r>
-                      <a:endParaRPr lang="en-US" sz="1200">
+                      <a:endParaRPr lang="en-US" sz="1200" b="0">
                         <a:effectLst/>
                         <a:latin typeface="Calibri"/>
                         <a:ea typeface="Times New Roman"/>
@@ -10084,12 +9537,12 @@
                         </a:spcAft>
                       </a:pPr>
                       <a:r>
-                        <a:rPr lang="en-US" sz="1200" dirty="0">
+                        <a:rPr lang="en-US" sz="1400">
                           <a:effectLst/>
                         </a:rPr>
                         <a:t>Regular Expressions</a:t>
                       </a:r>
-                      <a:endParaRPr lang="en-US" sz="1200" dirty="0">
+                      <a:endParaRPr lang="en-US" sz="1400">
                         <a:effectLst/>
                         <a:latin typeface="Calibri"/>
                         <a:ea typeface="Times New Roman"/>
@@ -10100,7 +9553,7 @@
                   <a:tcPr marL="63722" marR="63722" marT="0" marB="0"/>
                 </a:tc>
               </a:tr>
-              <a:tr h="295877">
+              <a:tr h="289551">
                 <a:tc>
                   <a:txBody>
                     <a:bodyPr/>
@@ -10118,12 +9571,12 @@
                         </a:spcAft>
                       </a:pPr>
                       <a:r>
-                        <a:rPr lang="en-US" sz="1800">
+                        <a:rPr lang="en-US" sz="1800" b="0">
                           <a:effectLst/>
                         </a:rPr>
                         <a:t>Week 3</a:t>
                       </a:r>
-                      <a:endParaRPr lang="en-US" sz="1200">
+                      <a:endParaRPr lang="en-US" sz="1200" b="0">
                         <a:effectLst/>
                         <a:latin typeface="Calibri"/>
                         <a:ea typeface="Times New Roman"/>
@@ -10150,12 +9603,12 @@
                         </a:spcAft>
                       </a:pPr>
                       <a:r>
-                        <a:rPr lang="en-US" sz="1200">
+                        <a:rPr lang="en-US" sz="1400">
                           <a:effectLst/>
                         </a:rPr>
                         <a:t>Text Normalization and Edit distance</a:t>
                       </a:r>
-                      <a:endParaRPr lang="en-US" sz="1200">
+                      <a:endParaRPr lang="en-US" sz="1400">
                         <a:effectLst/>
                         <a:latin typeface="Calibri"/>
                         <a:ea typeface="Times New Roman"/>
@@ -10166,7 +9619,7 @@
                   <a:tcPr marL="63722" marR="63722" marT="0" marB="0"/>
                 </a:tc>
               </a:tr>
-              <a:tr h="295877">
+              <a:tr h="289551">
                 <a:tc>
                   <a:txBody>
                     <a:bodyPr/>
@@ -10184,12 +9637,12 @@
                         </a:spcAft>
                       </a:pPr>
                       <a:r>
-                        <a:rPr lang="en-US" sz="1800">
+                        <a:rPr lang="en-US" sz="1800" b="0">
                           <a:effectLst/>
                         </a:rPr>
                         <a:t>Week 4</a:t>
                       </a:r>
-                      <a:endParaRPr lang="en-US" sz="1200">
+                      <a:endParaRPr lang="en-US" sz="1200" b="0">
                         <a:effectLst/>
                         <a:latin typeface="Calibri"/>
                         <a:ea typeface="Times New Roman"/>
@@ -10216,12 +9669,12 @@
                         </a:spcAft>
                       </a:pPr>
                       <a:r>
-                        <a:rPr lang="en-US" sz="1200">
+                        <a:rPr lang="en-US" sz="1400">
                           <a:effectLst/>
                         </a:rPr>
                         <a:t>Word Associations</a:t>
                       </a:r>
-                      <a:endParaRPr lang="en-US" sz="1200">
+                      <a:endParaRPr lang="en-US" sz="1400">
                         <a:effectLst/>
                         <a:latin typeface="Calibri"/>
                         <a:ea typeface="Times New Roman"/>
@@ -10232,7 +9685,7 @@
                   <a:tcPr marL="63722" marR="63722" marT="0" marB="0"/>
                 </a:tc>
               </a:tr>
-              <a:tr h="295877">
+              <a:tr h="289551">
                 <a:tc>
                   <a:txBody>
                     <a:bodyPr/>
@@ -10250,12 +9703,12 @@
                         </a:spcAft>
                       </a:pPr>
                       <a:r>
-                        <a:rPr lang="en-US" sz="1800">
+                        <a:rPr lang="en-US" sz="1800" b="0">
                           <a:effectLst/>
                         </a:rPr>
                         <a:t>Week 5</a:t>
                       </a:r>
-                      <a:endParaRPr lang="en-US" sz="1200">
+                      <a:endParaRPr lang="en-US" sz="1200" b="0">
                         <a:effectLst/>
                         <a:latin typeface="Calibri"/>
                         <a:ea typeface="Times New Roman"/>
@@ -10282,12 +9735,12 @@
                         </a:spcAft>
                       </a:pPr>
                       <a:r>
-                        <a:rPr lang="en-US" sz="1200">
+                        <a:rPr lang="en-US" sz="1400">
                           <a:effectLst/>
                         </a:rPr>
                         <a:t>Language Models</a:t>
                       </a:r>
-                      <a:endParaRPr lang="en-US" sz="1200">
+                      <a:endParaRPr lang="en-US" sz="1400">
                         <a:effectLst/>
                         <a:latin typeface="Calibri"/>
                         <a:ea typeface="Times New Roman"/>
@@ -10298,7 +9751,7 @@
                   <a:tcPr marL="63722" marR="63722" marT="0" marB="0"/>
                 </a:tc>
               </a:tr>
-              <a:tr h="295877">
+              <a:tr h="289551">
                 <a:tc>
                   <a:txBody>
                     <a:bodyPr/>
@@ -10316,12 +9769,12 @@
                         </a:spcAft>
                       </a:pPr>
                       <a:r>
-                        <a:rPr lang="en-US" sz="1800">
+                        <a:rPr lang="en-US" sz="1800" b="0">
                           <a:effectLst/>
                         </a:rPr>
                         <a:t>Week 6</a:t>
                       </a:r>
-                      <a:endParaRPr lang="en-US" sz="1200">
+                      <a:endParaRPr lang="en-US" sz="1200" b="0">
                         <a:effectLst/>
                         <a:latin typeface="Calibri"/>
                         <a:ea typeface="Times New Roman"/>
@@ -10348,12 +9801,12 @@
                         </a:spcAft>
                       </a:pPr>
                       <a:r>
-                        <a:rPr lang="en-US" sz="1200">
+                        <a:rPr lang="en-US" sz="1400">
                           <a:effectLst/>
                         </a:rPr>
                         <a:t>Text Representation</a:t>
                       </a:r>
-                      <a:endParaRPr lang="en-US" sz="1200">
+                      <a:endParaRPr lang="en-US" sz="1400">
                         <a:effectLst/>
                         <a:latin typeface="Calibri"/>
                         <a:ea typeface="Times New Roman"/>
@@ -10364,7 +9817,7 @@
                   <a:tcPr marL="63722" marR="63722" marT="0" marB="0"/>
                 </a:tc>
               </a:tr>
-              <a:tr h="295877">
+              <a:tr h="289551">
                 <a:tc>
                   <a:txBody>
                     <a:bodyPr/>
@@ -10382,12 +9835,12 @@
                         </a:spcAft>
                       </a:pPr>
                       <a:r>
-                        <a:rPr lang="en-US" sz="1800">
+                        <a:rPr lang="en-US" sz="1800" b="0">
                           <a:effectLst/>
                         </a:rPr>
                         <a:t>Week 7</a:t>
                       </a:r>
-                      <a:endParaRPr lang="en-US" sz="1200">
+                      <a:endParaRPr lang="en-US" sz="1200" b="0">
                         <a:effectLst/>
                         <a:latin typeface="Calibri"/>
                         <a:ea typeface="Times New Roman"/>
@@ -10414,12 +9867,12 @@
                         </a:spcAft>
                       </a:pPr>
                       <a:r>
-                        <a:rPr lang="en-US" sz="1200" dirty="0">
+                        <a:rPr lang="en-US" sz="1400">
                           <a:effectLst/>
                         </a:rPr>
                         <a:t>Document Classification and Evaluation</a:t>
                       </a:r>
-                      <a:endParaRPr lang="en-US" sz="1200" dirty="0">
+                      <a:endParaRPr lang="en-US" sz="1400">
                         <a:effectLst/>
                         <a:latin typeface="Calibri"/>
                         <a:ea typeface="Times New Roman"/>
@@ -10430,7 +9883,7 @@
                   <a:tcPr marL="63722" marR="63722" marT="0" marB="0"/>
                 </a:tc>
               </a:tr>
-              <a:tr h="295877">
+              <a:tr h="289551">
                 <a:tc>
                   <a:txBody>
                     <a:bodyPr/>
@@ -10448,12 +9901,12 @@
                         </a:spcAft>
                       </a:pPr>
                       <a:r>
-                        <a:rPr lang="en-US" sz="1800">
+                        <a:rPr lang="en-US" sz="1800" b="0">
                           <a:effectLst/>
                         </a:rPr>
                         <a:t>Week 8</a:t>
                       </a:r>
-                      <a:endParaRPr lang="en-US" sz="1200">
+                      <a:endParaRPr lang="en-US" sz="1200" b="0">
                         <a:effectLst/>
                         <a:latin typeface="Calibri"/>
                         <a:ea typeface="Times New Roman"/>
@@ -10480,12 +9933,12 @@
                         </a:spcAft>
                       </a:pPr>
                       <a:r>
-                        <a:rPr lang="en-US" sz="1200">
+                        <a:rPr lang="en-US" sz="1400">
                           <a:effectLst/>
                         </a:rPr>
-                        <a:t>Context Free Grammar &amp; PCFG</a:t>
+                        <a:t>Probabilistic Parsing</a:t>
                       </a:r>
-                      <a:endParaRPr lang="en-US" sz="1200">
+                      <a:endParaRPr lang="en-US" sz="1400">
                         <a:effectLst/>
                         <a:latin typeface="Calibri"/>
                         <a:ea typeface="Times New Roman"/>
@@ -10496,7 +9949,7 @@
                   <a:tcPr marL="63722" marR="63722" marT="0" marB="0"/>
                 </a:tc>
               </a:tr>
-              <a:tr h="295877">
+              <a:tr h="289551">
                 <a:tc>
                   <a:txBody>
                     <a:bodyPr/>
@@ -10514,12 +9967,12 @@
                         </a:spcAft>
                       </a:pPr>
                       <a:r>
-                        <a:rPr lang="en-US" sz="1800">
+                        <a:rPr lang="en-US" sz="1800" b="0">
                           <a:effectLst/>
                         </a:rPr>
                         <a:t>Week 9</a:t>
                       </a:r>
-                      <a:endParaRPr lang="en-US" sz="1200">
+                      <a:endParaRPr lang="en-US" sz="1200" b="0">
                         <a:effectLst/>
                         <a:latin typeface="Calibri"/>
                         <a:ea typeface="Times New Roman"/>
@@ -10546,12 +9999,12 @@
                         </a:spcAft>
                       </a:pPr>
                       <a:r>
-                        <a:rPr lang="en-US" sz="1200">
+                        <a:rPr lang="en-US" sz="1400">
                           <a:effectLst/>
                         </a:rPr>
                         <a:t>Document Clustering and Evaluation</a:t>
                       </a:r>
-                      <a:endParaRPr lang="en-US" sz="1200">
+                      <a:endParaRPr lang="en-US" sz="1400">
                         <a:effectLst/>
                         <a:latin typeface="Calibri"/>
                         <a:ea typeface="Times New Roman"/>
@@ -10562,7 +10015,7 @@
                   <a:tcPr marL="63722" marR="63722" marT="0" marB="0"/>
                 </a:tc>
               </a:tr>
-              <a:tr h="295877">
+              <a:tr h="289551">
                 <a:tc>
                   <a:txBody>
                     <a:bodyPr/>
@@ -10580,12 +10033,12 @@
                         </a:spcAft>
                       </a:pPr>
                       <a:r>
-                        <a:rPr lang="en-US" sz="1800">
+                        <a:rPr lang="en-US" sz="1800" b="0">
                           <a:effectLst/>
                         </a:rPr>
                         <a:t>Week 10</a:t>
                       </a:r>
-                      <a:endParaRPr lang="en-US" sz="1200">
+                      <a:endParaRPr lang="en-US" sz="1200" b="0">
                         <a:effectLst/>
                         <a:latin typeface="Calibri"/>
                         <a:ea typeface="Times New Roman"/>
@@ -10612,12 +10065,12 @@
                         </a:spcAft>
                       </a:pPr>
                       <a:r>
-                        <a:rPr lang="en-US" sz="1200">
+                        <a:rPr lang="en-US" sz="1400">
                           <a:effectLst/>
                         </a:rPr>
                         <a:t>Parts-of-speech Tagging and Markov Models</a:t>
                       </a:r>
-                      <a:endParaRPr lang="en-US" sz="1200">
+                      <a:endParaRPr lang="en-US" sz="1400">
                         <a:effectLst/>
                         <a:latin typeface="Calibri"/>
                         <a:ea typeface="Times New Roman"/>
@@ -10628,7 +10081,7 @@
                   <a:tcPr marL="63722" marR="63722" marT="0" marB="0"/>
                 </a:tc>
               </a:tr>
-              <a:tr h="295877">
+              <a:tr h="289551">
                 <a:tc>
                   <a:txBody>
                     <a:bodyPr/>
@@ -10646,12 +10099,12 @@
                         </a:spcAft>
                       </a:pPr>
                       <a:r>
-                        <a:rPr lang="en-US" sz="1800">
+                        <a:rPr lang="en-US" sz="1800" b="0">
                           <a:effectLst/>
                         </a:rPr>
                         <a:t>Week 11</a:t>
                       </a:r>
-                      <a:endParaRPr lang="en-US" sz="1200">
+                      <a:endParaRPr lang="en-US" sz="1200" b="0">
                         <a:effectLst/>
                         <a:latin typeface="Calibri"/>
                         <a:ea typeface="Times New Roman"/>
@@ -10678,12 +10131,12 @@
                         </a:spcAft>
                       </a:pPr>
                       <a:r>
-                        <a:rPr lang="en-US" sz="1200">
+                        <a:rPr lang="en-US" sz="1400">
                           <a:effectLst/>
                         </a:rPr>
-                        <a:t>Topic Modeling</a:t>
+                        <a:t>Context Free Grammars</a:t>
                       </a:r>
-                      <a:endParaRPr lang="en-US" sz="1200">
+                      <a:endParaRPr lang="en-US" sz="1400">
                         <a:effectLst/>
                         <a:latin typeface="Calibri"/>
                         <a:ea typeface="Times New Roman"/>
@@ -10694,7 +10147,7 @@
                   <a:tcPr marL="63722" marR="63722" marT="0" marB="0"/>
                 </a:tc>
               </a:tr>
-              <a:tr h="295877">
+              <a:tr h="289551">
                 <a:tc>
                   <a:txBody>
                     <a:bodyPr/>
@@ -10712,12 +10165,12 @@
                         </a:spcAft>
                       </a:pPr>
                       <a:r>
-                        <a:rPr lang="en-US" sz="1800">
+                        <a:rPr lang="en-US" sz="1800" b="0">
                           <a:effectLst/>
                         </a:rPr>
                         <a:t>Week 12</a:t>
                       </a:r>
-                      <a:endParaRPr lang="en-US" sz="1200">
+                      <a:endParaRPr lang="en-US" sz="1200" b="0">
                         <a:effectLst/>
                         <a:latin typeface="Calibri"/>
                         <a:ea typeface="Times New Roman"/>
@@ -10744,12 +10197,12 @@
                         </a:spcAft>
                       </a:pPr>
                       <a:r>
-                        <a:rPr lang="en-US" sz="1200">
+                        <a:rPr lang="en-US" sz="1400">
                           <a:effectLst/>
                         </a:rPr>
                         <a:t>Sentiment Analysis</a:t>
                       </a:r>
-                      <a:endParaRPr lang="en-US" sz="1200">
+                      <a:endParaRPr lang="en-US" sz="1400">
                         <a:effectLst/>
                         <a:latin typeface="Calibri"/>
                         <a:ea typeface="Times New Roman"/>
@@ -10760,7 +10213,7 @@
                   <a:tcPr marL="63722" marR="63722" marT="0" marB="0"/>
                 </a:tc>
               </a:tr>
-              <a:tr h="295877">
+              <a:tr h="289551">
                 <a:tc>
                   <a:txBody>
                     <a:bodyPr/>
@@ -10778,12 +10231,12 @@
                         </a:spcAft>
                       </a:pPr>
                       <a:r>
-                        <a:rPr lang="en-US" sz="1800">
+                        <a:rPr lang="en-US" sz="1800" b="0">
                           <a:effectLst/>
                         </a:rPr>
                         <a:t>Week 13</a:t>
                       </a:r>
-                      <a:endParaRPr lang="en-US" sz="1200">
+                      <a:endParaRPr lang="en-US" sz="1200" b="0">
                         <a:effectLst/>
                         <a:latin typeface="Calibri"/>
                         <a:ea typeface="Times New Roman"/>
@@ -10810,12 +10263,12 @@
                         </a:spcAft>
                       </a:pPr>
                       <a:r>
-                        <a:rPr lang="en-US" sz="1200">
+                        <a:rPr lang="en-US" sz="1400">
                           <a:effectLst/>
                         </a:rPr>
-                        <a:t>Information Extraction</a:t>
+                        <a:t>Information Theory</a:t>
                       </a:r>
-                      <a:endParaRPr lang="en-US" sz="1200">
+                      <a:endParaRPr lang="en-US" sz="1400">
                         <a:effectLst/>
                         <a:latin typeface="Calibri"/>
                         <a:ea typeface="Times New Roman"/>
@@ -10826,7 +10279,7 @@
                   <a:tcPr marL="63722" marR="63722" marT="0" marB="0"/>
                 </a:tc>
               </a:tr>
-              <a:tr h="295877">
+              <a:tr h="289551">
                 <a:tc>
                   <a:txBody>
                     <a:bodyPr/>
@@ -10844,12 +10297,12 @@
                         </a:spcAft>
                       </a:pPr>
                       <a:r>
-                        <a:rPr lang="en-US" sz="1800">
+                        <a:rPr lang="en-US" sz="1800" b="0">
                           <a:effectLst/>
                         </a:rPr>
                         <a:t>Week 14</a:t>
                       </a:r>
-                      <a:endParaRPr lang="en-US" sz="1200">
+                      <a:endParaRPr lang="en-US" sz="1200" b="0">
                         <a:effectLst/>
                         <a:latin typeface="Calibri"/>
                         <a:ea typeface="Times New Roman"/>
@@ -10876,12 +10329,12 @@
                         </a:spcAft>
                       </a:pPr>
                       <a:r>
-                        <a:rPr lang="en-US" sz="1200">
+                        <a:rPr lang="en-US" sz="1400">
                           <a:effectLst/>
                         </a:rPr>
-                        <a:t>Search Engines</a:t>
+                        <a:t>Vector Semantics, Word Embedding</a:t>
                       </a:r>
-                      <a:endParaRPr lang="en-US" sz="1200">
+                      <a:endParaRPr lang="en-US" sz="1400">
                         <a:effectLst/>
                         <a:latin typeface="Calibri"/>
                         <a:ea typeface="Times New Roman"/>
@@ -10892,7 +10345,7 @@
                   <a:tcPr marL="63722" marR="63722" marT="0" marB="0"/>
                 </a:tc>
               </a:tr>
-              <a:tr h="295877">
+              <a:tr h="289551">
                 <a:tc>
                   <a:txBody>
                     <a:bodyPr/>
@@ -10910,12 +10363,12 @@
                         </a:spcAft>
                       </a:pPr>
                       <a:r>
-                        <a:rPr lang="en-US" sz="1800">
+                        <a:rPr lang="en-US" sz="1800" b="0">
                           <a:effectLst/>
                         </a:rPr>
                         <a:t>Week 15</a:t>
                       </a:r>
-                      <a:endParaRPr lang="en-US" sz="1200">
+                      <a:endParaRPr lang="en-US" sz="1200" b="0">
                         <a:effectLst/>
                         <a:latin typeface="Calibri"/>
                         <a:ea typeface="Times New Roman"/>
@@ -10942,12 +10395,12 @@
                         </a:spcAft>
                       </a:pPr>
                       <a:r>
-                        <a:rPr lang="en-US" sz="1200">
+                        <a:rPr lang="en-US" sz="1400">
                           <a:effectLst/>
                         </a:rPr>
-                        <a:t>Advance Topics in NLP</a:t>
+                        <a:t>Information Extraction</a:t>
                       </a:r>
-                      <a:endParaRPr lang="en-US" sz="1200">
+                      <a:endParaRPr lang="en-US" sz="1400">
                         <a:effectLst/>
                         <a:latin typeface="Calibri"/>
                         <a:ea typeface="Times New Roman"/>
@@ -10958,7 +10411,7 @@
                   <a:tcPr marL="63722" marR="63722" marT="0" marB="0"/>
                 </a:tc>
               </a:tr>
-              <a:tr h="295877">
+              <a:tr h="289551">
                 <a:tc>
                   <a:txBody>
                     <a:bodyPr/>
@@ -10976,12 +10429,12 @@
                         </a:spcAft>
                       </a:pPr>
                       <a:r>
-                        <a:rPr lang="en-US" sz="1800">
+                        <a:rPr lang="en-US" sz="1800" b="0" dirty="0">
                           <a:effectLst/>
                         </a:rPr>
                         <a:t>Week 16</a:t>
                       </a:r>
-                      <a:endParaRPr lang="en-US" sz="1200">
+                      <a:endParaRPr lang="en-US" sz="1200" b="0" dirty="0">
                         <a:effectLst/>
                         <a:latin typeface="Calibri"/>
                         <a:ea typeface="Times New Roman"/>
@@ -11008,12 +10461,12 @@
                         </a:spcAft>
                       </a:pPr>
                       <a:r>
-                        <a:rPr lang="en-US" sz="1200" dirty="0">
+                        <a:rPr lang="en-US" sz="1400" dirty="0">
                           <a:effectLst/>
                         </a:rPr>
-                        <a:t> </a:t>
+                        <a:t>Final Project Presentation</a:t>
                       </a:r>
-                      <a:endParaRPr lang="en-US" sz="1200" dirty="0">
+                      <a:endParaRPr lang="en-US" sz="1400" dirty="0">
                         <a:effectLst/>
                         <a:latin typeface="Calibri"/>
                         <a:ea typeface="Times New Roman"/>
@@ -11048,6 +10501,85 @@
 </p:sld>
 </file>
 
+<file path=ppt/slides/slide18.xml><?xml version="1.0" encoding="utf-8"?>
+<p:sld xmlns:a="http://schemas.openxmlformats.org/drawingml/2006/main" xmlns:r="http://schemas.openxmlformats.org/officeDocument/2006/relationships" xmlns:p="http://schemas.openxmlformats.org/presentationml/2006/main">
+  <p:cSld>
+    <p:spTree>
+      <p:nvGrpSpPr>
+        <p:cNvPr id="1" name=""/>
+        <p:cNvGrpSpPr/>
+        <p:nvPr/>
+      </p:nvGrpSpPr>
+      <p:grpSpPr>
+        <a:xfrm>
+          <a:off x="0" y="0"/>
+          <a:ext cx="0" cy="0"/>
+          <a:chOff x="0" y="0"/>
+          <a:chExt cx="0" cy="0"/>
+        </a:xfrm>
+      </p:grpSpPr>
+      <p:sp>
+        <p:nvSpPr>
+          <p:cNvPr id="2" name="Title 1"/>
+          <p:cNvSpPr>
+            <a:spLocks noGrp="1"/>
+          </p:cNvSpPr>
+          <p:nvPr>
+            <p:ph type="title"/>
+          </p:nvPr>
+        </p:nvSpPr>
+        <p:spPr/>
+        <p:txBody>
+          <a:bodyPr/>
+          <a:lstStyle/>
+          <a:p>
+            <a:r>
+              <a:rPr lang="en-US" smtClean="0"/>
+              <a:t>Discussion!</a:t>
+            </a:r>
+            <a:endParaRPr lang="en-US"/>
+          </a:p>
+        </p:txBody>
+      </p:sp>
+      <p:sp>
+        <p:nvSpPr>
+          <p:cNvPr id="3" name="Content Placeholder 2"/>
+          <p:cNvSpPr>
+            <a:spLocks noGrp="1"/>
+          </p:cNvSpPr>
+          <p:nvPr>
+            <p:ph idx="1"/>
+          </p:nvPr>
+        </p:nvSpPr>
+        <p:spPr/>
+        <p:txBody>
+          <a:bodyPr/>
+          <a:lstStyle/>
+          <a:p>
+            <a:endParaRPr lang="en-US"/>
+          </a:p>
+        </p:txBody>
+      </p:sp>
+    </p:spTree>
+    <p:extLst>
+      <p:ext uri="{BB962C8B-B14F-4D97-AF65-F5344CB8AC3E}">
+        <p14:creationId xmlns:p14="http://schemas.microsoft.com/office/powerpoint/2010/main" val="507999961"/>
+      </p:ext>
+    </p:extLst>
+  </p:cSld>
+  <p:clrMapOvr>
+    <a:masterClrMapping/>
+  </p:clrMapOvr>
+  <p:timing>
+    <p:tnLst>
+      <p:par>
+        <p:cTn id="1" dur="indefinite" restart="never" nodeType="tmRoot"/>
+      </p:par>
+    </p:tnLst>
+  </p:timing>
+</p:sld>
+</file>
+
 <file path=ppt/slides/slide2.xml><?xml version="1.0" encoding="utf-8"?>
 <p:sld xmlns:a="http://schemas.openxmlformats.org/drawingml/2006/main" xmlns:r="http://schemas.openxmlformats.org/officeDocument/2006/relationships" xmlns:p="http://schemas.openxmlformats.org/presentationml/2006/main">
   <p:cSld>
@@ -11144,694 +10676,6 @@
     <p:extLst>
       <p:ext uri="{BB962C8B-B14F-4D97-AF65-F5344CB8AC3E}">
         <p14:creationId xmlns:p14="http://schemas.microsoft.com/office/powerpoint/2010/main" val="2535055563"/>
-      </p:ext>
-    </p:extLst>
-  </p:cSld>
-  <p:clrMapOvr>
-    <a:masterClrMapping/>
-  </p:clrMapOvr>
-  <p:timing>
-    <p:tnLst>
-      <p:par>
-        <p:cTn id="1" dur="indefinite" restart="never" nodeType="tmRoot">
-          <p:childTnLst>
-            <p:seq concurrent="1" nextAc="seek">
-              <p:cTn id="2" dur="indefinite" nodeType="mainSeq">
-                <p:childTnLst>
-                  <p:par>
-                    <p:cTn id="3" fill="hold">
-                      <p:stCondLst>
-                        <p:cond delay="indefinite"/>
-                      </p:stCondLst>
-                      <p:childTnLst>
-                        <p:par>
-                          <p:cTn id="4" fill="hold">
-                            <p:stCondLst>
-                              <p:cond delay="0"/>
-                            </p:stCondLst>
-                            <p:childTnLst>
-                              <p:par>
-                                <p:cTn id="5" presetID="42" presetClass="entr" presetSubtype="0" fill="hold" grpId="0" nodeType="clickEffect">
-                                  <p:stCondLst>
-                                    <p:cond delay="0"/>
-                                  </p:stCondLst>
-                                  <p:childTnLst>
-                                    <p:set>
-                                      <p:cBhvr>
-                                        <p:cTn id="6" dur="1" fill="hold">
-                                          <p:stCondLst>
-                                            <p:cond delay="0"/>
-                                          </p:stCondLst>
-                                        </p:cTn>
-                                        <p:tgtEl>
-                                          <p:spTgt spid="3">
-                                            <p:txEl>
-                                              <p:pRg st="0" end="0"/>
-                                            </p:txEl>
-                                          </p:spTgt>
-                                        </p:tgtEl>
-                                        <p:attrNameLst>
-                                          <p:attrName>style.visibility</p:attrName>
-                                        </p:attrNameLst>
-                                      </p:cBhvr>
-                                      <p:to>
-                                        <p:strVal val="visible"/>
-                                      </p:to>
-                                    </p:set>
-                                    <p:animEffect transition="in" filter="fade">
-                                      <p:cBhvr>
-                                        <p:cTn id="7" dur="1000"/>
-                                        <p:tgtEl>
-                                          <p:spTgt spid="3">
-                                            <p:txEl>
-                                              <p:pRg st="0" end="0"/>
-                                            </p:txEl>
-                                          </p:spTgt>
-                                        </p:tgtEl>
-                                      </p:cBhvr>
-                                    </p:animEffect>
-                                    <p:anim calcmode="lin" valueType="num">
-                                      <p:cBhvr>
-                                        <p:cTn id="8" dur="1000" fill="hold"/>
-                                        <p:tgtEl>
-                                          <p:spTgt spid="3">
-                                            <p:txEl>
-                                              <p:pRg st="0" end="0"/>
-                                            </p:txEl>
-                                          </p:spTgt>
-                                        </p:tgtEl>
-                                        <p:attrNameLst>
-                                          <p:attrName>ppt_x</p:attrName>
-                                        </p:attrNameLst>
-                                      </p:cBhvr>
-                                      <p:tavLst>
-                                        <p:tav tm="0">
-                                          <p:val>
-                                            <p:strVal val="#ppt_x"/>
-                                          </p:val>
-                                        </p:tav>
-                                        <p:tav tm="100000">
-                                          <p:val>
-                                            <p:strVal val="#ppt_x"/>
-                                          </p:val>
-                                        </p:tav>
-                                      </p:tavLst>
-                                    </p:anim>
-                                    <p:anim calcmode="lin" valueType="num">
-                                      <p:cBhvr>
-                                        <p:cTn id="9" dur="1000" fill="hold"/>
-                                        <p:tgtEl>
-                                          <p:spTgt spid="3">
-                                            <p:txEl>
-                                              <p:pRg st="0" end="0"/>
-                                            </p:txEl>
-                                          </p:spTgt>
-                                        </p:tgtEl>
-                                        <p:attrNameLst>
-                                          <p:attrName>ppt_y</p:attrName>
-                                        </p:attrNameLst>
-                                      </p:cBhvr>
-                                      <p:tavLst>
-                                        <p:tav tm="0">
-                                          <p:val>
-                                            <p:strVal val="#ppt_y+.1"/>
-                                          </p:val>
-                                        </p:tav>
-                                        <p:tav tm="100000">
-                                          <p:val>
-                                            <p:strVal val="#ppt_y"/>
-                                          </p:val>
-                                        </p:tav>
-                                      </p:tavLst>
-                                    </p:anim>
-                                  </p:childTnLst>
-                                </p:cTn>
-                              </p:par>
-                            </p:childTnLst>
-                          </p:cTn>
-                        </p:par>
-                      </p:childTnLst>
-                    </p:cTn>
-                  </p:par>
-                  <p:par>
-                    <p:cTn id="10" fill="hold">
-                      <p:stCondLst>
-                        <p:cond delay="indefinite"/>
-                      </p:stCondLst>
-                      <p:childTnLst>
-                        <p:par>
-                          <p:cTn id="11" fill="hold">
-                            <p:stCondLst>
-                              <p:cond delay="0"/>
-                            </p:stCondLst>
-                            <p:childTnLst>
-                              <p:par>
-                                <p:cTn id="12" presetID="42" presetClass="entr" presetSubtype="0" fill="hold" grpId="0" nodeType="clickEffect">
-                                  <p:stCondLst>
-                                    <p:cond delay="0"/>
-                                  </p:stCondLst>
-                                  <p:childTnLst>
-                                    <p:set>
-                                      <p:cBhvr>
-                                        <p:cTn id="13" dur="1" fill="hold">
-                                          <p:stCondLst>
-                                            <p:cond delay="0"/>
-                                          </p:stCondLst>
-                                        </p:cTn>
-                                        <p:tgtEl>
-                                          <p:spTgt spid="3">
-                                            <p:txEl>
-                                              <p:pRg st="2" end="2"/>
-                                            </p:txEl>
-                                          </p:spTgt>
-                                        </p:tgtEl>
-                                        <p:attrNameLst>
-                                          <p:attrName>style.visibility</p:attrName>
-                                        </p:attrNameLst>
-                                      </p:cBhvr>
-                                      <p:to>
-                                        <p:strVal val="visible"/>
-                                      </p:to>
-                                    </p:set>
-                                    <p:animEffect transition="in" filter="fade">
-                                      <p:cBhvr>
-                                        <p:cTn id="14" dur="1000"/>
-                                        <p:tgtEl>
-                                          <p:spTgt spid="3">
-                                            <p:txEl>
-                                              <p:pRg st="2" end="2"/>
-                                            </p:txEl>
-                                          </p:spTgt>
-                                        </p:tgtEl>
-                                      </p:cBhvr>
-                                    </p:animEffect>
-                                    <p:anim calcmode="lin" valueType="num">
-                                      <p:cBhvr>
-                                        <p:cTn id="15" dur="1000" fill="hold"/>
-                                        <p:tgtEl>
-                                          <p:spTgt spid="3">
-                                            <p:txEl>
-                                              <p:pRg st="2" end="2"/>
-                                            </p:txEl>
-                                          </p:spTgt>
-                                        </p:tgtEl>
-                                        <p:attrNameLst>
-                                          <p:attrName>ppt_x</p:attrName>
-                                        </p:attrNameLst>
-                                      </p:cBhvr>
-                                      <p:tavLst>
-                                        <p:tav tm="0">
-                                          <p:val>
-                                            <p:strVal val="#ppt_x"/>
-                                          </p:val>
-                                        </p:tav>
-                                        <p:tav tm="100000">
-                                          <p:val>
-                                            <p:strVal val="#ppt_x"/>
-                                          </p:val>
-                                        </p:tav>
-                                      </p:tavLst>
-                                    </p:anim>
-                                    <p:anim calcmode="lin" valueType="num">
-                                      <p:cBhvr>
-                                        <p:cTn id="16" dur="1000" fill="hold"/>
-                                        <p:tgtEl>
-                                          <p:spTgt spid="3">
-                                            <p:txEl>
-                                              <p:pRg st="2" end="2"/>
-                                            </p:txEl>
-                                          </p:spTgt>
-                                        </p:tgtEl>
-                                        <p:attrNameLst>
-                                          <p:attrName>ppt_y</p:attrName>
-                                        </p:attrNameLst>
-                                      </p:cBhvr>
-                                      <p:tavLst>
-                                        <p:tav tm="0">
-                                          <p:val>
-                                            <p:strVal val="#ppt_y+.1"/>
-                                          </p:val>
-                                        </p:tav>
-                                        <p:tav tm="100000">
-                                          <p:val>
-                                            <p:strVal val="#ppt_y"/>
-                                          </p:val>
-                                        </p:tav>
-                                      </p:tavLst>
-                                    </p:anim>
-                                  </p:childTnLst>
-                                </p:cTn>
-                              </p:par>
-                            </p:childTnLst>
-                          </p:cTn>
-                        </p:par>
-                      </p:childTnLst>
-                    </p:cTn>
-                  </p:par>
-                  <p:par>
-                    <p:cTn id="17" fill="hold">
-                      <p:stCondLst>
-                        <p:cond delay="indefinite"/>
-                      </p:stCondLst>
-                      <p:childTnLst>
-                        <p:par>
-                          <p:cTn id="18" fill="hold">
-                            <p:stCondLst>
-                              <p:cond delay="0"/>
-                            </p:stCondLst>
-                            <p:childTnLst>
-                              <p:par>
-                                <p:cTn id="19" presetID="42" presetClass="entr" presetSubtype="0" fill="hold" grpId="0" nodeType="clickEffect">
-                                  <p:stCondLst>
-                                    <p:cond delay="0"/>
-                                  </p:stCondLst>
-                                  <p:childTnLst>
-                                    <p:set>
-                                      <p:cBhvr>
-                                        <p:cTn id="20" dur="1" fill="hold">
-                                          <p:stCondLst>
-                                            <p:cond delay="0"/>
-                                          </p:stCondLst>
-                                        </p:cTn>
-                                        <p:tgtEl>
-                                          <p:spTgt spid="3">
-                                            <p:txEl>
-                                              <p:pRg st="4" end="4"/>
-                                            </p:txEl>
-                                          </p:spTgt>
-                                        </p:tgtEl>
-                                        <p:attrNameLst>
-                                          <p:attrName>style.visibility</p:attrName>
-                                        </p:attrNameLst>
-                                      </p:cBhvr>
-                                      <p:to>
-                                        <p:strVal val="visible"/>
-                                      </p:to>
-                                    </p:set>
-                                    <p:animEffect transition="in" filter="fade">
-                                      <p:cBhvr>
-                                        <p:cTn id="21" dur="1000"/>
-                                        <p:tgtEl>
-                                          <p:spTgt spid="3">
-                                            <p:txEl>
-                                              <p:pRg st="4" end="4"/>
-                                            </p:txEl>
-                                          </p:spTgt>
-                                        </p:tgtEl>
-                                      </p:cBhvr>
-                                    </p:animEffect>
-                                    <p:anim calcmode="lin" valueType="num">
-                                      <p:cBhvr>
-                                        <p:cTn id="22" dur="1000" fill="hold"/>
-                                        <p:tgtEl>
-                                          <p:spTgt spid="3">
-                                            <p:txEl>
-                                              <p:pRg st="4" end="4"/>
-                                            </p:txEl>
-                                          </p:spTgt>
-                                        </p:tgtEl>
-                                        <p:attrNameLst>
-                                          <p:attrName>ppt_x</p:attrName>
-                                        </p:attrNameLst>
-                                      </p:cBhvr>
-                                      <p:tavLst>
-                                        <p:tav tm="0">
-                                          <p:val>
-                                            <p:strVal val="#ppt_x"/>
-                                          </p:val>
-                                        </p:tav>
-                                        <p:tav tm="100000">
-                                          <p:val>
-                                            <p:strVal val="#ppt_x"/>
-                                          </p:val>
-                                        </p:tav>
-                                      </p:tavLst>
-                                    </p:anim>
-                                    <p:anim calcmode="lin" valueType="num">
-                                      <p:cBhvr>
-                                        <p:cTn id="23" dur="1000" fill="hold"/>
-                                        <p:tgtEl>
-                                          <p:spTgt spid="3">
-                                            <p:txEl>
-                                              <p:pRg st="4" end="4"/>
-                                            </p:txEl>
-                                          </p:spTgt>
-                                        </p:tgtEl>
-                                        <p:attrNameLst>
-                                          <p:attrName>ppt_y</p:attrName>
-                                        </p:attrNameLst>
-                                      </p:cBhvr>
-                                      <p:tavLst>
-                                        <p:tav tm="0">
-                                          <p:val>
-                                            <p:strVal val="#ppt_y+.1"/>
-                                          </p:val>
-                                        </p:tav>
-                                        <p:tav tm="100000">
-                                          <p:val>
-                                            <p:strVal val="#ppt_y"/>
-                                          </p:val>
-                                        </p:tav>
-                                      </p:tavLst>
-                                    </p:anim>
-                                  </p:childTnLst>
-                                </p:cTn>
-                              </p:par>
-                            </p:childTnLst>
-                          </p:cTn>
-                        </p:par>
-                      </p:childTnLst>
-                    </p:cTn>
-                  </p:par>
-                  <p:par>
-                    <p:cTn id="24" fill="hold">
-                      <p:stCondLst>
-                        <p:cond delay="indefinite"/>
-                      </p:stCondLst>
-                      <p:childTnLst>
-                        <p:par>
-                          <p:cTn id="25" fill="hold">
-                            <p:stCondLst>
-                              <p:cond delay="0"/>
-                            </p:stCondLst>
-                            <p:childTnLst>
-                              <p:par>
-                                <p:cTn id="26" presetID="42" presetClass="entr" presetSubtype="0" fill="hold" grpId="0" nodeType="clickEffect">
-                                  <p:stCondLst>
-                                    <p:cond delay="0"/>
-                                  </p:stCondLst>
-                                  <p:childTnLst>
-                                    <p:set>
-                                      <p:cBhvr>
-                                        <p:cTn id="27" dur="1" fill="hold">
-                                          <p:stCondLst>
-                                            <p:cond delay="0"/>
-                                          </p:stCondLst>
-                                        </p:cTn>
-                                        <p:tgtEl>
-                                          <p:spTgt spid="3">
-                                            <p:txEl>
-                                              <p:pRg st="6" end="6"/>
-                                            </p:txEl>
-                                          </p:spTgt>
-                                        </p:tgtEl>
-                                        <p:attrNameLst>
-                                          <p:attrName>style.visibility</p:attrName>
-                                        </p:attrNameLst>
-                                      </p:cBhvr>
-                                      <p:to>
-                                        <p:strVal val="visible"/>
-                                      </p:to>
-                                    </p:set>
-                                    <p:animEffect transition="in" filter="fade">
-                                      <p:cBhvr>
-                                        <p:cTn id="28" dur="1000"/>
-                                        <p:tgtEl>
-                                          <p:spTgt spid="3">
-                                            <p:txEl>
-                                              <p:pRg st="6" end="6"/>
-                                            </p:txEl>
-                                          </p:spTgt>
-                                        </p:tgtEl>
-                                      </p:cBhvr>
-                                    </p:animEffect>
-                                    <p:anim calcmode="lin" valueType="num">
-                                      <p:cBhvr>
-                                        <p:cTn id="29" dur="1000" fill="hold"/>
-                                        <p:tgtEl>
-                                          <p:spTgt spid="3">
-                                            <p:txEl>
-                                              <p:pRg st="6" end="6"/>
-                                            </p:txEl>
-                                          </p:spTgt>
-                                        </p:tgtEl>
-                                        <p:attrNameLst>
-                                          <p:attrName>ppt_x</p:attrName>
-                                        </p:attrNameLst>
-                                      </p:cBhvr>
-                                      <p:tavLst>
-                                        <p:tav tm="0">
-                                          <p:val>
-                                            <p:strVal val="#ppt_x"/>
-                                          </p:val>
-                                        </p:tav>
-                                        <p:tav tm="100000">
-                                          <p:val>
-                                            <p:strVal val="#ppt_x"/>
-                                          </p:val>
-                                        </p:tav>
-                                      </p:tavLst>
-                                    </p:anim>
-                                    <p:anim calcmode="lin" valueType="num">
-                                      <p:cBhvr>
-                                        <p:cTn id="30" dur="1000" fill="hold"/>
-                                        <p:tgtEl>
-                                          <p:spTgt spid="3">
-                                            <p:txEl>
-                                              <p:pRg st="6" end="6"/>
-                                            </p:txEl>
-                                          </p:spTgt>
-                                        </p:tgtEl>
-                                        <p:attrNameLst>
-                                          <p:attrName>ppt_y</p:attrName>
-                                        </p:attrNameLst>
-                                      </p:cBhvr>
-                                      <p:tavLst>
-                                        <p:tav tm="0">
-                                          <p:val>
-                                            <p:strVal val="#ppt_y+.1"/>
-                                          </p:val>
-                                        </p:tav>
-                                        <p:tav tm="100000">
-                                          <p:val>
-                                            <p:strVal val="#ppt_y"/>
-                                          </p:val>
-                                        </p:tav>
-                                      </p:tavLst>
-                                    </p:anim>
-                                  </p:childTnLst>
-                                </p:cTn>
-                              </p:par>
-                            </p:childTnLst>
-                          </p:cTn>
-                        </p:par>
-                      </p:childTnLst>
-                    </p:cTn>
-                  </p:par>
-                </p:childTnLst>
-              </p:cTn>
-              <p:prevCondLst>
-                <p:cond evt="onPrev" delay="0">
-                  <p:tgtEl>
-                    <p:sldTgt/>
-                  </p:tgtEl>
-                </p:cond>
-              </p:prevCondLst>
-              <p:nextCondLst>
-                <p:cond evt="onNext" delay="0">
-                  <p:tgtEl>
-                    <p:sldTgt/>
-                  </p:tgtEl>
-                </p:cond>
-              </p:nextCondLst>
-            </p:seq>
-          </p:childTnLst>
-        </p:cTn>
-      </p:par>
-    </p:tnLst>
-    <p:bldLst>
-      <p:bldP spid="3" grpId="0" build="p"/>
-    </p:bldLst>
-  </p:timing>
-</p:sld>
-</file>
-
-<file path=ppt/slides/slide20.xml><?xml version="1.0" encoding="utf-8"?>
-<p:sld xmlns:a="http://schemas.openxmlformats.org/drawingml/2006/main" xmlns:r="http://schemas.openxmlformats.org/officeDocument/2006/relationships" xmlns:p="http://schemas.openxmlformats.org/presentationml/2006/main">
-  <p:cSld>
-    <p:spTree>
-      <p:nvGrpSpPr>
-        <p:cNvPr id="1" name=""/>
-        <p:cNvGrpSpPr/>
-        <p:nvPr/>
-      </p:nvGrpSpPr>
-      <p:grpSpPr>
-        <a:xfrm>
-          <a:off x="0" y="0"/>
-          <a:ext cx="0" cy="0"/>
-          <a:chOff x="0" y="0"/>
-          <a:chExt cx="0" cy="0"/>
-        </a:xfrm>
-      </p:grpSpPr>
-      <p:sp>
-        <p:nvSpPr>
-          <p:cNvPr id="2" name="Title 1"/>
-          <p:cNvSpPr>
-            <a:spLocks noGrp="1"/>
-          </p:cNvSpPr>
-          <p:nvPr>
-            <p:ph type="title"/>
-          </p:nvPr>
-        </p:nvSpPr>
-        <p:spPr/>
-        <p:txBody>
-          <a:bodyPr/>
-          <a:lstStyle/>
-          <a:p>
-            <a:r>
-              <a:rPr lang="en-US" dirty="0" smtClean="0"/>
-              <a:t>YouTube Videos of Today’s Lecture in Urdu</a:t>
-            </a:r>
-            <a:endParaRPr lang="en-US" dirty="0"/>
-          </a:p>
-        </p:txBody>
-      </p:sp>
-      <p:sp>
-        <p:nvSpPr>
-          <p:cNvPr id="3" name="Content Placeholder 2"/>
-          <p:cNvSpPr>
-            <a:spLocks noGrp="1"/>
-          </p:cNvSpPr>
-          <p:nvPr>
-            <p:ph idx="1"/>
-          </p:nvPr>
-        </p:nvSpPr>
-        <p:spPr/>
-        <p:txBody>
-          <a:bodyPr/>
-          <a:lstStyle/>
-          <a:p>
-            <a:r>
-              <a:rPr lang="en-US" dirty="0">
-                <a:hlinkClick r:id="rId2"/>
-              </a:rPr>
-              <a:t>https://</a:t>
-            </a:r>
-            <a:r>
-              <a:rPr lang="en-US" dirty="0" smtClean="0">
-                <a:hlinkClick r:id="rId2"/>
-              </a:rPr>
-              <a:t>www.youtube.com/watch?v=KIrdIHKvtYw</a:t>
-            </a:r>
-            <a:endParaRPr lang="en-US" dirty="0" smtClean="0"/>
-          </a:p>
-          <a:p>
-            <a:r>
-              <a:rPr lang="en-US" dirty="0">
-                <a:hlinkClick r:id="rId3"/>
-              </a:rPr>
-              <a:t>https://</a:t>
-            </a:r>
-            <a:r>
-              <a:rPr lang="en-US" dirty="0" smtClean="0">
-                <a:hlinkClick r:id="rId3"/>
-              </a:rPr>
-              <a:t>www.youtube.com/watch?v=xvlt8riLx6c</a:t>
-            </a:r>
-            <a:endParaRPr lang="en-US" dirty="0" smtClean="0"/>
-          </a:p>
-          <a:p>
-            <a:r>
-              <a:rPr lang="en-US">
-                <a:hlinkClick r:id="rId4"/>
-              </a:rPr>
-              <a:t>https</a:t>
-            </a:r>
-            <a:r>
-              <a:rPr lang="en-US">
-                <a:hlinkClick r:id="rId4"/>
-              </a:rPr>
-              <a:t>://</a:t>
-            </a:r>
-            <a:r>
-              <a:rPr lang="en-US" smtClean="0">
-                <a:hlinkClick r:id="rId4"/>
-              </a:rPr>
-              <a:t>www.youtube.com/watch?v=ZVaGIZ3CNqg</a:t>
-            </a:r>
-            <a:endParaRPr lang="en-US" smtClean="0"/>
-          </a:p>
-          <a:p>
-            <a:endParaRPr lang="en-US" dirty="0"/>
-          </a:p>
-        </p:txBody>
-      </p:sp>
-    </p:spTree>
-    <p:extLst>
-      <p:ext uri="{BB962C8B-B14F-4D97-AF65-F5344CB8AC3E}">
-        <p14:creationId xmlns:p14="http://schemas.microsoft.com/office/powerpoint/2010/main" val="1229668834"/>
-      </p:ext>
-    </p:extLst>
-  </p:cSld>
-  <p:clrMapOvr>
-    <a:masterClrMapping/>
-  </p:clrMapOvr>
-</p:sld>
-</file>
-
-<file path=ppt/slides/slide21.xml><?xml version="1.0" encoding="utf-8"?>
-<p:sld xmlns:a="http://schemas.openxmlformats.org/drawingml/2006/main" xmlns:r="http://schemas.openxmlformats.org/officeDocument/2006/relationships" xmlns:p="http://schemas.openxmlformats.org/presentationml/2006/main">
-  <p:cSld>
-    <p:spTree>
-      <p:nvGrpSpPr>
-        <p:cNvPr id="1" name=""/>
-        <p:cNvGrpSpPr/>
-        <p:nvPr/>
-      </p:nvGrpSpPr>
-      <p:grpSpPr>
-        <a:xfrm>
-          <a:off x="0" y="0"/>
-          <a:ext cx="0" cy="0"/>
-          <a:chOff x="0" y="0"/>
-          <a:chExt cx="0" cy="0"/>
-        </a:xfrm>
-      </p:grpSpPr>
-      <p:sp>
-        <p:nvSpPr>
-          <p:cNvPr id="2" name="Title 1"/>
-          <p:cNvSpPr>
-            <a:spLocks noGrp="1"/>
-          </p:cNvSpPr>
-          <p:nvPr>
-            <p:ph type="title"/>
-          </p:nvPr>
-        </p:nvSpPr>
-        <p:spPr/>
-        <p:txBody>
-          <a:bodyPr/>
-          <a:lstStyle/>
-          <a:p>
-            <a:r>
-              <a:rPr lang="en-US" smtClean="0"/>
-              <a:t>Discussion!</a:t>
-            </a:r>
-            <a:endParaRPr lang="en-US"/>
-          </a:p>
-        </p:txBody>
-      </p:sp>
-      <p:sp>
-        <p:nvSpPr>
-          <p:cNvPr id="3" name="Content Placeholder 2"/>
-          <p:cNvSpPr>
-            <a:spLocks noGrp="1"/>
-          </p:cNvSpPr>
-          <p:nvPr>
-            <p:ph idx="1"/>
-          </p:nvPr>
-        </p:nvSpPr>
-        <p:spPr/>
-        <p:txBody>
-          <a:bodyPr/>
-          <a:lstStyle/>
-          <a:p>
-            <a:endParaRPr lang="en-US" dirty="0"/>
-          </a:p>
-        </p:txBody>
-      </p:sp>
-    </p:spTree>
-    <p:extLst>
-      <p:ext uri="{BB962C8B-B14F-4D97-AF65-F5344CB8AC3E}">
-        <p14:creationId xmlns:p14="http://schemas.microsoft.com/office/powerpoint/2010/main" val="507999961"/>
       </p:ext>
     </p:extLst>
   </p:cSld>
@@ -11934,265 +10778,9 @@
   <p:timing>
     <p:tnLst>
       <p:par>
-        <p:cTn id="1" dur="indefinite" restart="never" nodeType="tmRoot">
-          <p:childTnLst>
-            <p:seq concurrent="1" nextAc="seek">
-              <p:cTn id="2" dur="indefinite" nodeType="mainSeq">
-                <p:childTnLst>
-                  <p:par>
-                    <p:cTn id="3" fill="hold">
-                      <p:stCondLst>
-                        <p:cond delay="indefinite"/>
-                      </p:stCondLst>
-                      <p:childTnLst>
-                        <p:par>
-                          <p:cTn id="4" fill="hold">
-                            <p:stCondLst>
-                              <p:cond delay="0"/>
-                            </p:stCondLst>
-                            <p:childTnLst>
-                              <p:par>
-                                <p:cTn id="5" presetID="42" presetClass="entr" presetSubtype="0" fill="hold" grpId="0" nodeType="clickEffect">
-                                  <p:stCondLst>
-                                    <p:cond delay="0"/>
-                                  </p:stCondLst>
-                                  <p:childTnLst>
-                                    <p:set>
-                                      <p:cBhvr>
-                                        <p:cTn id="6" dur="1" fill="hold">
-                                          <p:stCondLst>
-                                            <p:cond delay="0"/>
-                                          </p:stCondLst>
-                                        </p:cTn>
-                                        <p:tgtEl>
-                                          <p:spTgt spid="3">
-                                            <p:txEl>
-                                              <p:pRg st="0" end="0"/>
-                                            </p:txEl>
-                                          </p:spTgt>
-                                        </p:tgtEl>
-                                        <p:attrNameLst>
-                                          <p:attrName>style.visibility</p:attrName>
-                                        </p:attrNameLst>
-                                      </p:cBhvr>
-                                      <p:to>
-                                        <p:strVal val="visible"/>
-                                      </p:to>
-                                    </p:set>
-                                    <p:animEffect transition="in" filter="fade">
-                                      <p:cBhvr>
-                                        <p:cTn id="7" dur="1000"/>
-                                        <p:tgtEl>
-                                          <p:spTgt spid="3">
-                                            <p:txEl>
-                                              <p:pRg st="0" end="0"/>
-                                            </p:txEl>
-                                          </p:spTgt>
-                                        </p:tgtEl>
-                                      </p:cBhvr>
-                                    </p:animEffect>
-                                    <p:anim calcmode="lin" valueType="num">
-                                      <p:cBhvr>
-                                        <p:cTn id="8" dur="1000" fill="hold"/>
-                                        <p:tgtEl>
-                                          <p:spTgt spid="3">
-                                            <p:txEl>
-                                              <p:pRg st="0" end="0"/>
-                                            </p:txEl>
-                                          </p:spTgt>
-                                        </p:tgtEl>
-                                        <p:attrNameLst>
-                                          <p:attrName>ppt_x</p:attrName>
-                                        </p:attrNameLst>
-                                      </p:cBhvr>
-                                      <p:tavLst>
-                                        <p:tav tm="0">
-                                          <p:val>
-                                            <p:strVal val="#ppt_x"/>
-                                          </p:val>
-                                        </p:tav>
-                                        <p:tav tm="100000">
-                                          <p:val>
-                                            <p:strVal val="#ppt_x"/>
-                                          </p:val>
-                                        </p:tav>
-                                      </p:tavLst>
-                                    </p:anim>
-                                    <p:anim calcmode="lin" valueType="num">
-                                      <p:cBhvr>
-                                        <p:cTn id="9" dur="1000" fill="hold"/>
-                                        <p:tgtEl>
-                                          <p:spTgt spid="3">
-                                            <p:txEl>
-                                              <p:pRg st="0" end="0"/>
-                                            </p:txEl>
-                                          </p:spTgt>
-                                        </p:tgtEl>
-                                        <p:attrNameLst>
-                                          <p:attrName>ppt_y</p:attrName>
-                                        </p:attrNameLst>
-                                      </p:cBhvr>
-                                      <p:tavLst>
-                                        <p:tav tm="0">
-                                          <p:val>
-                                            <p:strVal val="#ppt_y+.1"/>
-                                          </p:val>
-                                        </p:tav>
-                                        <p:tav tm="100000">
-                                          <p:val>
-                                            <p:strVal val="#ppt_y"/>
-                                          </p:val>
-                                        </p:tav>
-                                      </p:tavLst>
-                                    </p:anim>
-                                  </p:childTnLst>
-                                </p:cTn>
-                              </p:par>
-                            </p:childTnLst>
-                          </p:cTn>
-                        </p:par>
-                      </p:childTnLst>
-                    </p:cTn>
-                  </p:par>
-                  <p:par>
-                    <p:cTn id="10" fill="hold">
-                      <p:stCondLst>
-                        <p:cond delay="indefinite"/>
-                      </p:stCondLst>
-                      <p:childTnLst>
-                        <p:par>
-                          <p:cTn id="11" fill="hold">
-                            <p:stCondLst>
-                              <p:cond delay="0"/>
-                            </p:stCondLst>
-                            <p:childTnLst>
-                              <p:par>
-                                <p:cTn id="12" presetID="42" presetClass="entr" presetSubtype="0" fill="hold" grpId="0" nodeType="clickEffect">
-                                  <p:stCondLst>
-                                    <p:cond delay="0"/>
-                                  </p:stCondLst>
-                                  <p:childTnLst>
-                                    <p:set>
-                                      <p:cBhvr>
-                                        <p:cTn id="13" dur="1" fill="hold">
-                                          <p:stCondLst>
-                                            <p:cond delay="0"/>
-                                          </p:stCondLst>
-                                        </p:cTn>
-                                        <p:tgtEl>
-                                          <p:spTgt spid="3">
-                                            <p:txEl>
-                                              <p:pRg st="2" end="2"/>
-                                            </p:txEl>
-                                          </p:spTgt>
-                                        </p:tgtEl>
-                                        <p:attrNameLst>
-                                          <p:attrName>style.visibility</p:attrName>
-                                        </p:attrNameLst>
-                                      </p:cBhvr>
-                                      <p:to>
-                                        <p:strVal val="visible"/>
-                                      </p:to>
-                                    </p:set>
-                                    <p:animEffect transition="in" filter="fade">
-                                      <p:cBhvr>
-                                        <p:cTn id="14" dur="1000"/>
-                                        <p:tgtEl>
-                                          <p:spTgt spid="3">
-                                            <p:txEl>
-                                              <p:pRg st="2" end="2"/>
-                                            </p:txEl>
-                                          </p:spTgt>
-                                        </p:tgtEl>
-                                      </p:cBhvr>
-                                    </p:animEffect>
-                                    <p:anim calcmode="lin" valueType="num">
-                                      <p:cBhvr>
-                                        <p:cTn id="15" dur="1000" fill="hold"/>
-                                        <p:tgtEl>
-                                          <p:spTgt spid="3">
-                                            <p:txEl>
-                                              <p:pRg st="2" end="2"/>
-                                            </p:txEl>
-                                          </p:spTgt>
-                                        </p:tgtEl>
-                                        <p:attrNameLst>
-                                          <p:attrName>ppt_x</p:attrName>
-                                        </p:attrNameLst>
-                                      </p:cBhvr>
-                                      <p:tavLst>
-                                        <p:tav tm="0">
-                                          <p:val>
-                                            <p:strVal val="#ppt_x"/>
-                                          </p:val>
-                                        </p:tav>
-                                        <p:tav tm="100000">
-                                          <p:val>
-                                            <p:strVal val="#ppt_x"/>
-                                          </p:val>
-                                        </p:tav>
-                                      </p:tavLst>
-                                    </p:anim>
-                                    <p:anim calcmode="lin" valueType="num">
-                                      <p:cBhvr>
-                                        <p:cTn id="16" dur="1000" fill="hold"/>
-                                        <p:tgtEl>
-                                          <p:spTgt spid="3">
-                                            <p:txEl>
-                                              <p:pRg st="2" end="2"/>
-                                            </p:txEl>
-                                          </p:spTgt>
-                                        </p:tgtEl>
-                                        <p:attrNameLst>
-                                          <p:attrName>ppt_y</p:attrName>
-                                        </p:attrNameLst>
-                                      </p:cBhvr>
-                                      <p:tavLst>
-                                        <p:tav tm="0">
-                                          <p:val>
-                                            <p:strVal val="#ppt_y+.1"/>
-                                          </p:val>
-                                        </p:tav>
-                                        <p:tav tm="100000">
-                                          <p:val>
-                                            <p:strVal val="#ppt_y"/>
-                                          </p:val>
-                                        </p:tav>
-                                      </p:tavLst>
-                                    </p:anim>
-                                  </p:childTnLst>
-                                </p:cTn>
-                              </p:par>
-                            </p:childTnLst>
-                          </p:cTn>
-                        </p:par>
-                      </p:childTnLst>
-                    </p:cTn>
-                  </p:par>
-                </p:childTnLst>
-              </p:cTn>
-              <p:prevCondLst>
-                <p:cond evt="onPrev" delay="0">
-                  <p:tgtEl>
-                    <p:sldTgt/>
-                  </p:tgtEl>
-                </p:cond>
-              </p:prevCondLst>
-              <p:nextCondLst>
-                <p:cond evt="onNext" delay="0">
-                  <p:tgtEl>
-                    <p:sldTgt/>
-                  </p:tgtEl>
-                </p:cond>
-              </p:nextCondLst>
-            </p:seq>
-          </p:childTnLst>
-        </p:cTn>
+        <p:cTn id="1" dur="indefinite" restart="never" nodeType="tmRoot"/>
       </p:par>
     </p:tnLst>
-    <p:bldLst>
-      <p:bldP spid="3" grpId="0" build="p"/>
-    </p:bldLst>
   </p:timing>
 </p:sld>
 </file>
@@ -12283,265 +10871,9 @@
   <p:timing>
     <p:tnLst>
       <p:par>
-        <p:cTn id="1" dur="indefinite" restart="never" nodeType="tmRoot">
-          <p:childTnLst>
-            <p:seq concurrent="1" nextAc="seek">
-              <p:cTn id="2" dur="indefinite" nodeType="mainSeq">
-                <p:childTnLst>
-                  <p:par>
-                    <p:cTn id="3" fill="hold">
-                      <p:stCondLst>
-                        <p:cond delay="indefinite"/>
-                      </p:stCondLst>
-                      <p:childTnLst>
-                        <p:par>
-                          <p:cTn id="4" fill="hold">
-                            <p:stCondLst>
-                              <p:cond delay="0"/>
-                            </p:stCondLst>
-                            <p:childTnLst>
-                              <p:par>
-                                <p:cTn id="5" presetID="42" presetClass="entr" presetSubtype="0" fill="hold" grpId="0" nodeType="clickEffect">
-                                  <p:stCondLst>
-                                    <p:cond delay="0"/>
-                                  </p:stCondLst>
-                                  <p:childTnLst>
-                                    <p:set>
-                                      <p:cBhvr>
-                                        <p:cTn id="6" dur="1" fill="hold">
-                                          <p:stCondLst>
-                                            <p:cond delay="0"/>
-                                          </p:stCondLst>
-                                        </p:cTn>
-                                        <p:tgtEl>
-                                          <p:spTgt spid="3">
-                                            <p:txEl>
-                                              <p:pRg st="0" end="0"/>
-                                            </p:txEl>
-                                          </p:spTgt>
-                                        </p:tgtEl>
-                                        <p:attrNameLst>
-                                          <p:attrName>style.visibility</p:attrName>
-                                        </p:attrNameLst>
-                                      </p:cBhvr>
-                                      <p:to>
-                                        <p:strVal val="visible"/>
-                                      </p:to>
-                                    </p:set>
-                                    <p:animEffect transition="in" filter="fade">
-                                      <p:cBhvr>
-                                        <p:cTn id="7" dur="1000"/>
-                                        <p:tgtEl>
-                                          <p:spTgt spid="3">
-                                            <p:txEl>
-                                              <p:pRg st="0" end="0"/>
-                                            </p:txEl>
-                                          </p:spTgt>
-                                        </p:tgtEl>
-                                      </p:cBhvr>
-                                    </p:animEffect>
-                                    <p:anim calcmode="lin" valueType="num">
-                                      <p:cBhvr>
-                                        <p:cTn id="8" dur="1000" fill="hold"/>
-                                        <p:tgtEl>
-                                          <p:spTgt spid="3">
-                                            <p:txEl>
-                                              <p:pRg st="0" end="0"/>
-                                            </p:txEl>
-                                          </p:spTgt>
-                                        </p:tgtEl>
-                                        <p:attrNameLst>
-                                          <p:attrName>ppt_x</p:attrName>
-                                        </p:attrNameLst>
-                                      </p:cBhvr>
-                                      <p:tavLst>
-                                        <p:tav tm="0">
-                                          <p:val>
-                                            <p:strVal val="#ppt_x"/>
-                                          </p:val>
-                                        </p:tav>
-                                        <p:tav tm="100000">
-                                          <p:val>
-                                            <p:strVal val="#ppt_x"/>
-                                          </p:val>
-                                        </p:tav>
-                                      </p:tavLst>
-                                    </p:anim>
-                                    <p:anim calcmode="lin" valueType="num">
-                                      <p:cBhvr>
-                                        <p:cTn id="9" dur="1000" fill="hold"/>
-                                        <p:tgtEl>
-                                          <p:spTgt spid="3">
-                                            <p:txEl>
-                                              <p:pRg st="0" end="0"/>
-                                            </p:txEl>
-                                          </p:spTgt>
-                                        </p:tgtEl>
-                                        <p:attrNameLst>
-                                          <p:attrName>ppt_y</p:attrName>
-                                        </p:attrNameLst>
-                                      </p:cBhvr>
-                                      <p:tavLst>
-                                        <p:tav tm="0">
-                                          <p:val>
-                                            <p:strVal val="#ppt_y+.1"/>
-                                          </p:val>
-                                        </p:tav>
-                                        <p:tav tm="100000">
-                                          <p:val>
-                                            <p:strVal val="#ppt_y"/>
-                                          </p:val>
-                                        </p:tav>
-                                      </p:tavLst>
-                                    </p:anim>
-                                  </p:childTnLst>
-                                </p:cTn>
-                              </p:par>
-                            </p:childTnLst>
-                          </p:cTn>
-                        </p:par>
-                      </p:childTnLst>
-                    </p:cTn>
-                  </p:par>
-                  <p:par>
-                    <p:cTn id="10" fill="hold">
-                      <p:stCondLst>
-                        <p:cond delay="indefinite"/>
-                      </p:stCondLst>
-                      <p:childTnLst>
-                        <p:par>
-                          <p:cTn id="11" fill="hold">
-                            <p:stCondLst>
-                              <p:cond delay="0"/>
-                            </p:stCondLst>
-                            <p:childTnLst>
-                              <p:par>
-                                <p:cTn id="12" presetID="42" presetClass="entr" presetSubtype="0" fill="hold" grpId="0" nodeType="clickEffect">
-                                  <p:stCondLst>
-                                    <p:cond delay="0"/>
-                                  </p:stCondLst>
-                                  <p:childTnLst>
-                                    <p:set>
-                                      <p:cBhvr>
-                                        <p:cTn id="13" dur="1" fill="hold">
-                                          <p:stCondLst>
-                                            <p:cond delay="0"/>
-                                          </p:stCondLst>
-                                        </p:cTn>
-                                        <p:tgtEl>
-                                          <p:spTgt spid="3">
-                                            <p:txEl>
-                                              <p:pRg st="2" end="2"/>
-                                            </p:txEl>
-                                          </p:spTgt>
-                                        </p:tgtEl>
-                                        <p:attrNameLst>
-                                          <p:attrName>style.visibility</p:attrName>
-                                        </p:attrNameLst>
-                                      </p:cBhvr>
-                                      <p:to>
-                                        <p:strVal val="visible"/>
-                                      </p:to>
-                                    </p:set>
-                                    <p:animEffect transition="in" filter="fade">
-                                      <p:cBhvr>
-                                        <p:cTn id="14" dur="1000"/>
-                                        <p:tgtEl>
-                                          <p:spTgt spid="3">
-                                            <p:txEl>
-                                              <p:pRg st="2" end="2"/>
-                                            </p:txEl>
-                                          </p:spTgt>
-                                        </p:tgtEl>
-                                      </p:cBhvr>
-                                    </p:animEffect>
-                                    <p:anim calcmode="lin" valueType="num">
-                                      <p:cBhvr>
-                                        <p:cTn id="15" dur="1000" fill="hold"/>
-                                        <p:tgtEl>
-                                          <p:spTgt spid="3">
-                                            <p:txEl>
-                                              <p:pRg st="2" end="2"/>
-                                            </p:txEl>
-                                          </p:spTgt>
-                                        </p:tgtEl>
-                                        <p:attrNameLst>
-                                          <p:attrName>ppt_x</p:attrName>
-                                        </p:attrNameLst>
-                                      </p:cBhvr>
-                                      <p:tavLst>
-                                        <p:tav tm="0">
-                                          <p:val>
-                                            <p:strVal val="#ppt_x"/>
-                                          </p:val>
-                                        </p:tav>
-                                        <p:tav tm="100000">
-                                          <p:val>
-                                            <p:strVal val="#ppt_x"/>
-                                          </p:val>
-                                        </p:tav>
-                                      </p:tavLst>
-                                    </p:anim>
-                                    <p:anim calcmode="lin" valueType="num">
-                                      <p:cBhvr>
-                                        <p:cTn id="16" dur="1000" fill="hold"/>
-                                        <p:tgtEl>
-                                          <p:spTgt spid="3">
-                                            <p:txEl>
-                                              <p:pRg st="2" end="2"/>
-                                            </p:txEl>
-                                          </p:spTgt>
-                                        </p:tgtEl>
-                                        <p:attrNameLst>
-                                          <p:attrName>ppt_y</p:attrName>
-                                        </p:attrNameLst>
-                                      </p:cBhvr>
-                                      <p:tavLst>
-                                        <p:tav tm="0">
-                                          <p:val>
-                                            <p:strVal val="#ppt_y+.1"/>
-                                          </p:val>
-                                        </p:tav>
-                                        <p:tav tm="100000">
-                                          <p:val>
-                                            <p:strVal val="#ppt_y"/>
-                                          </p:val>
-                                        </p:tav>
-                                      </p:tavLst>
-                                    </p:anim>
-                                  </p:childTnLst>
-                                </p:cTn>
-                              </p:par>
-                            </p:childTnLst>
-                          </p:cTn>
-                        </p:par>
-                      </p:childTnLst>
-                    </p:cTn>
-                  </p:par>
-                </p:childTnLst>
-              </p:cTn>
-              <p:prevCondLst>
-                <p:cond evt="onPrev" delay="0">
-                  <p:tgtEl>
-                    <p:sldTgt/>
-                  </p:tgtEl>
-                </p:cond>
-              </p:prevCondLst>
-              <p:nextCondLst>
-                <p:cond evt="onNext" delay="0">
-                  <p:tgtEl>
-                    <p:sldTgt/>
-                  </p:tgtEl>
-                </p:cond>
-              </p:nextCondLst>
-            </p:seq>
-          </p:childTnLst>
-        </p:cTn>
+        <p:cTn id="1" dur="indefinite" restart="never" nodeType="tmRoot"/>
       </p:par>
     </p:tnLst>
-    <p:bldLst>
-      <p:bldP spid="3" grpId="0" build="p"/>
-    </p:bldLst>
   </p:timing>
 </p:sld>
 </file>
@@ -12578,10 +10910,6 @@
           <a:bodyPr/>
           <a:lstStyle/>
           <a:p>
-            <a:r>
-              <a:rPr lang="en-US" dirty="0" smtClean="0"/>
-              <a:t>Psychology and Language</a:t>
-            </a:r>
             <a:endParaRPr lang="en-US" dirty="0"/>
           </a:p>
         </p:txBody>
@@ -12599,21 +10927,14 @@
         <p:spPr/>
         <p:txBody>
           <a:bodyPr>
-            <a:normAutofit/>
+            <a:normAutofit lnSpcReduction="10000"/>
           </a:bodyPr>
           <a:lstStyle/>
           <a:p>
             <a:r>
               <a:rPr lang="en-US" dirty="0" smtClean="0"/>
-              <a:t>Natural language is processed differently as it passes through different parts of the human brain</a:t>
-            </a:r>
-            <a:r>
-              <a:rPr lang="en-US" dirty="0" smtClean="0"/>
-              <a:t>.</a:t>
-            </a:r>
-          </a:p>
-          <a:p>
-            <a:endParaRPr lang="en-US" dirty="0" smtClean="0"/>
+              <a:t>Natural language is processed differently as it passes through different parts of the human brain.</a:t>
+            </a:r>
           </a:p>
           <a:p>
             <a:r>
@@ -12623,6 +10944,13 @@
           </a:p>
           <a:p>
             <a:endParaRPr lang="en-US" dirty="0" smtClean="0"/>
+          </a:p>
+          <a:p>
+            <a:r>
+              <a:rPr lang="en-US" dirty="0" smtClean="0"/>
+              <a:t>The use of language is deeply entrenched in human culture. Therefore, in addition to its strictly communicative uses, language also has many social and cultural uses such as signifying group identity, social stratification (social differentiation) as well social grooming and entertainment.</a:t>
+            </a:r>
+            <a:endParaRPr lang="en-US" dirty="0"/>
           </a:p>
         </p:txBody>
       </p:sp>
@@ -12639,265 +10967,9 @@
   <p:timing>
     <p:tnLst>
       <p:par>
-        <p:cTn id="1" dur="indefinite" restart="never" nodeType="tmRoot">
-          <p:childTnLst>
-            <p:seq concurrent="1" nextAc="seek">
-              <p:cTn id="2" dur="indefinite" nodeType="mainSeq">
-                <p:childTnLst>
-                  <p:par>
-                    <p:cTn id="3" fill="hold">
-                      <p:stCondLst>
-                        <p:cond delay="indefinite"/>
-                      </p:stCondLst>
-                      <p:childTnLst>
-                        <p:par>
-                          <p:cTn id="4" fill="hold">
-                            <p:stCondLst>
-                              <p:cond delay="0"/>
-                            </p:stCondLst>
-                            <p:childTnLst>
-                              <p:par>
-                                <p:cTn id="5" presetID="42" presetClass="entr" presetSubtype="0" fill="hold" grpId="0" nodeType="clickEffect">
-                                  <p:stCondLst>
-                                    <p:cond delay="0"/>
-                                  </p:stCondLst>
-                                  <p:childTnLst>
-                                    <p:set>
-                                      <p:cBhvr>
-                                        <p:cTn id="6" dur="1" fill="hold">
-                                          <p:stCondLst>
-                                            <p:cond delay="0"/>
-                                          </p:stCondLst>
-                                        </p:cTn>
-                                        <p:tgtEl>
-                                          <p:spTgt spid="3">
-                                            <p:txEl>
-                                              <p:pRg st="0" end="0"/>
-                                            </p:txEl>
-                                          </p:spTgt>
-                                        </p:tgtEl>
-                                        <p:attrNameLst>
-                                          <p:attrName>style.visibility</p:attrName>
-                                        </p:attrNameLst>
-                                      </p:cBhvr>
-                                      <p:to>
-                                        <p:strVal val="visible"/>
-                                      </p:to>
-                                    </p:set>
-                                    <p:animEffect transition="in" filter="fade">
-                                      <p:cBhvr>
-                                        <p:cTn id="7" dur="1000"/>
-                                        <p:tgtEl>
-                                          <p:spTgt spid="3">
-                                            <p:txEl>
-                                              <p:pRg st="0" end="0"/>
-                                            </p:txEl>
-                                          </p:spTgt>
-                                        </p:tgtEl>
-                                      </p:cBhvr>
-                                    </p:animEffect>
-                                    <p:anim calcmode="lin" valueType="num">
-                                      <p:cBhvr>
-                                        <p:cTn id="8" dur="1000" fill="hold"/>
-                                        <p:tgtEl>
-                                          <p:spTgt spid="3">
-                                            <p:txEl>
-                                              <p:pRg st="0" end="0"/>
-                                            </p:txEl>
-                                          </p:spTgt>
-                                        </p:tgtEl>
-                                        <p:attrNameLst>
-                                          <p:attrName>ppt_x</p:attrName>
-                                        </p:attrNameLst>
-                                      </p:cBhvr>
-                                      <p:tavLst>
-                                        <p:tav tm="0">
-                                          <p:val>
-                                            <p:strVal val="#ppt_x"/>
-                                          </p:val>
-                                        </p:tav>
-                                        <p:tav tm="100000">
-                                          <p:val>
-                                            <p:strVal val="#ppt_x"/>
-                                          </p:val>
-                                        </p:tav>
-                                      </p:tavLst>
-                                    </p:anim>
-                                    <p:anim calcmode="lin" valueType="num">
-                                      <p:cBhvr>
-                                        <p:cTn id="9" dur="1000" fill="hold"/>
-                                        <p:tgtEl>
-                                          <p:spTgt spid="3">
-                                            <p:txEl>
-                                              <p:pRg st="0" end="0"/>
-                                            </p:txEl>
-                                          </p:spTgt>
-                                        </p:tgtEl>
-                                        <p:attrNameLst>
-                                          <p:attrName>ppt_y</p:attrName>
-                                        </p:attrNameLst>
-                                      </p:cBhvr>
-                                      <p:tavLst>
-                                        <p:tav tm="0">
-                                          <p:val>
-                                            <p:strVal val="#ppt_y+.1"/>
-                                          </p:val>
-                                        </p:tav>
-                                        <p:tav tm="100000">
-                                          <p:val>
-                                            <p:strVal val="#ppt_y"/>
-                                          </p:val>
-                                        </p:tav>
-                                      </p:tavLst>
-                                    </p:anim>
-                                  </p:childTnLst>
-                                </p:cTn>
-                              </p:par>
-                            </p:childTnLst>
-                          </p:cTn>
-                        </p:par>
-                      </p:childTnLst>
-                    </p:cTn>
-                  </p:par>
-                  <p:par>
-                    <p:cTn id="10" fill="hold">
-                      <p:stCondLst>
-                        <p:cond delay="indefinite"/>
-                      </p:stCondLst>
-                      <p:childTnLst>
-                        <p:par>
-                          <p:cTn id="11" fill="hold">
-                            <p:stCondLst>
-                              <p:cond delay="0"/>
-                            </p:stCondLst>
-                            <p:childTnLst>
-                              <p:par>
-                                <p:cTn id="12" presetID="42" presetClass="entr" presetSubtype="0" fill="hold" grpId="0" nodeType="clickEffect">
-                                  <p:stCondLst>
-                                    <p:cond delay="0"/>
-                                  </p:stCondLst>
-                                  <p:childTnLst>
-                                    <p:set>
-                                      <p:cBhvr>
-                                        <p:cTn id="13" dur="1" fill="hold">
-                                          <p:stCondLst>
-                                            <p:cond delay="0"/>
-                                          </p:stCondLst>
-                                        </p:cTn>
-                                        <p:tgtEl>
-                                          <p:spTgt spid="3">
-                                            <p:txEl>
-                                              <p:pRg st="2" end="2"/>
-                                            </p:txEl>
-                                          </p:spTgt>
-                                        </p:tgtEl>
-                                        <p:attrNameLst>
-                                          <p:attrName>style.visibility</p:attrName>
-                                        </p:attrNameLst>
-                                      </p:cBhvr>
-                                      <p:to>
-                                        <p:strVal val="visible"/>
-                                      </p:to>
-                                    </p:set>
-                                    <p:animEffect transition="in" filter="fade">
-                                      <p:cBhvr>
-                                        <p:cTn id="14" dur="1000"/>
-                                        <p:tgtEl>
-                                          <p:spTgt spid="3">
-                                            <p:txEl>
-                                              <p:pRg st="2" end="2"/>
-                                            </p:txEl>
-                                          </p:spTgt>
-                                        </p:tgtEl>
-                                      </p:cBhvr>
-                                    </p:animEffect>
-                                    <p:anim calcmode="lin" valueType="num">
-                                      <p:cBhvr>
-                                        <p:cTn id="15" dur="1000" fill="hold"/>
-                                        <p:tgtEl>
-                                          <p:spTgt spid="3">
-                                            <p:txEl>
-                                              <p:pRg st="2" end="2"/>
-                                            </p:txEl>
-                                          </p:spTgt>
-                                        </p:tgtEl>
-                                        <p:attrNameLst>
-                                          <p:attrName>ppt_x</p:attrName>
-                                        </p:attrNameLst>
-                                      </p:cBhvr>
-                                      <p:tavLst>
-                                        <p:tav tm="0">
-                                          <p:val>
-                                            <p:strVal val="#ppt_x"/>
-                                          </p:val>
-                                        </p:tav>
-                                        <p:tav tm="100000">
-                                          <p:val>
-                                            <p:strVal val="#ppt_x"/>
-                                          </p:val>
-                                        </p:tav>
-                                      </p:tavLst>
-                                    </p:anim>
-                                    <p:anim calcmode="lin" valueType="num">
-                                      <p:cBhvr>
-                                        <p:cTn id="16" dur="1000" fill="hold"/>
-                                        <p:tgtEl>
-                                          <p:spTgt spid="3">
-                                            <p:txEl>
-                                              <p:pRg st="2" end="2"/>
-                                            </p:txEl>
-                                          </p:spTgt>
-                                        </p:tgtEl>
-                                        <p:attrNameLst>
-                                          <p:attrName>ppt_y</p:attrName>
-                                        </p:attrNameLst>
-                                      </p:cBhvr>
-                                      <p:tavLst>
-                                        <p:tav tm="0">
-                                          <p:val>
-                                            <p:strVal val="#ppt_y+.1"/>
-                                          </p:val>
-                                        </p:tav>
-                                        <p:tav tm="100000">
-                                          <p:val>
-                                            <p:strVal val="#ppt_y"/>
-                                          </p:val>
-                                        </p:tav>
-                                      </p:tavLst>
-                                    </p:anim>
-                                  </p:childTnLst>
-                                </p:cTn>
-                              </p:par>
-                            </p:childTnLst>
-                          </p:cTn>
-                        </p:par>
-                      </p:childTnLst>
-                    </p:cTn>
-                  </p:par>
-                </p:childTnLst>
-              </p:cTn>
-              <p:prevCondLst>
-                <p:cond evt="onPrev" delay="0">
-                  <p:tgtEl>
-                    <p:sldTgt/>
-                  </p:tgtEl>
-                </p:cond>
-              </p:prevCondLst>
-              <p:nextCondLst>
-                <p:cond evt="onNext" delay="0">
-                  <p:tgtEl>
-                    <p:sldTgt/>
-                  </p:tgtEl>
-                </p:cond>
-              </p:nextCondLst>
-            </p:seq>
-          </p:childTnLst>
-        </p:cTn>
+        <p:cTn id="1" dur="indefinite" restart="never" nodeType="tmRoot"/>
       </p:par>
     </p:tnLst>
-    <p:bldLst>
-      <p:bldP spid="3" grpId="0" build="p"/>
-    </p:bldLst>
   </p:timing>
 </p:sld>
 </file>
@@ -12936,7 +11008,7 @@
           <a:p>
             <a:r>
               <a:rPr lang="en-US" dirty="0" smtClean="0"/>
-              <a:t>Sociology and Language</a:t>
+              <a:t>Diversity of Natural Languages</a:t>
             </a:r>
             <a:endParaRPr lang="en-US" dirty="0"/>
           </a:p>
@@ -12958,19 +11030,25 @@
           <a:lstStyle/>
           <a:p>
             <a:r>
-              <a:rPr lang="en-US" dirty="0"/>
-              <a:t>The use of language is deeply entrenched in human culture. Therefore, in addition to its strictly communicative uses, language also has many social and cultural uses such as signifying group identity, social stratification as well social grooming and entertainment.</a:t>
-            </a:r>
-          </a:p>
-          <a:p>
-            <a:endParaRPr lang="en-US" dirty="0"/>
+              <a:rPr lang="en-US" dirty="0" smtClean="0"/>
+              <a:t>The complex structure of natural languages afford a much wider range of expressions then any known system.</a:t>
+            </a:r>
+          </a:p>
+          <a:p>
+            <a:endParaRPr lang="en-US" dirty="0" smtClean="0"/>
+          </a:p>
+          <a:p>
+            <a:r>
+              <a:rPr lang="en-US" dirty="0" smtClean="0"/>
+              <a:t>It empowers humans to acquire the ability of a theory of other minds and a shared intentionality.</a:t>
+            </a:r>
           </a:p>
         </p:txBody>
       </p:sp>
     </p:spTree>
     <p:extLst>
       <p:ext uri="{BB962C8B-B14F-4D97-AF65-F5344CB8AC3E}">
-        <p14:creationId xmlns:p14="http://schemas.microsoft.com/office/powerpoint/2010/main" val="4091246540"/>
+        <p14:creationId xmlns:p14="http://schemas.microsoft.com/office/powerpoint/2010/main" val="2616519225"/>
       </p:ext>
     </p:extLst>
   </p:cSld>
@@ -13019,11 +11097,7 @@
           <a:bodyPr/>
           <a:lstStyle/>
           <a:p>
-            <a:r>
-              <a:rPr lang="en-US" dirty="0" smtClean="0"/>
-              <a:t>Diversity of Natural Languages</a:t>
-            </a:r>
-            <a:endParaRPr lang="en-US" dirty="0"/>
+            <a:endParaRPr lang="en-US"/>
           </a:p>
         </p:txBody>
       </p:sp>
@@ -13042,9 +11116,16 @@
           <a:bodyPr/>
           <a:lstStyle/>
           <a:p>
+            <a:pPr marL="0" indent="0">
+              <a:buNone/>
+            </a:pPr>
+            <a:r>
+              <a:rPr lang="en-US" dirty="0"/>
+              <a:t>The structure of languages evolve and diversify over time to serve specific communicative and social </a:t>
+            </a:r>
             <a:r>
               <a:rPr lang="en-US" dirty="0" smtClean="0"/>
-              <a:t>The complex structure of natural languages afford a much wider range of expressions then any known system.</a:t>
+              <a:t>functions.</a:t>
             </a:r>
           </a:p>
           <a:p>
@@ -13053,31 +11134,39 @@
           <a:p>
             <a:r>
               <a:rPr lang="en-US" dirty="0" smtClean="0"/>
-              <a:t>It empowers humans to acquire the ability of </a:t>
+              <a:t>Synchronic</a:t>
+            </a:r>
+            <a:r>
+              <a:rPr lang="en-US" dirty="0"/>
+              <a:t>: Study of the state of a language at any given point in </a:t>
             </a:r>
             <a:r>
               <a:rPr lang="en-US" dirty="0" smtClean="0"/>
-              <a:t>understanding a </a:t>
-            </a:r>
+              <a:t>history</a:t>
+            </a:r>
+          </a:p>
+          <a:p>
+            <a:endParaRPr lang="en-US" dirty="0" smtClean="0"/>
+          </a:p>
+          <a:p>
             <a:r>
               <a:rPr lang="en-US" dirty="0" smtClean="0"/>
-              <a:t>theory of </a:t>
-            </a:r>
-            <a:r>
-              <a:rPr lang="en-US" dirty="0" smtClean="0"/>
-              <a:t>others </a:t>
-            </a:r>
-            <a:r>
-              <a:rPr lang="en-US" dirty="0" smtClean="0"/>
-              <a:t>minds and a shared intentionality.</a:t>
-            </a:r>
+              <a:t>Diachronic</a:t>
+            </a:r>
+            <a:r>
+              <a:rPr lang="en-US" dirty="0"/>
+              <a:t>: Differences among the states of language over decades or centuries</a:t>
+            </a:r>
+          </a:p>
+          <a:p>
+            <a:endParaRPr lang="en-US" dirty="0"/>
           </a:p>
         </p:txBody>
       </p:sp>
     </p:spTree>
     <p:extLst>
       <p:ext uri="{BB962C8B-B14F-4D97-AF65-F5344CB8AC3E}">
-        <p14:creationId xmlns:p14="http://schemas.microsoft.com/office/powerpoint/2010/main" val="2616519225"/>
+        <p14:creationId xmlns:p14="http://schemas.microsoft.com/office/powerpoint/2010/main" val="10183048"/>
       </p:ext>
     </p:extLst>
   </p:cSld>
@@ -13087,265 +11176,9 @@
   <p:timing>
     <p:tnLst>
       <p:par>
-        <p:cTn id="1" dur="indefinite" restart="never" nodeType="tmRoot">
-          <p:childTnLst>
-            <p:seq concurrent="1" nextAc="seek">
-              <p:cTn id="2" dur="indefinite" nodeType="mainSeq">
-                <p:childTnLst>
-                  <p:par>
-                    <p:cTn id="3" fill="hold">
-                      <p:stCondLst>
-                        <p:cond delay="indefinite"/>
-                      </p:stCondLst>
-                      <p:childTnLst>
-                        <p:par>
-                          <p:cTn id="4" fill="hold">
-                            <p:stCondLst>
-                              <p:cond delay="0"/>
-                            </p:stCondLst>
-                            <p:childTnLst>
-                              <p:par>
-                                <p:cTn id="5" presetID="42" presetClass="entr" presetSubtype="0" fill="hold" grpId="0" nodeType="clickEffect">
-                                  <p:stCondLst>
-                                    <p:cond delay="0"/>
-                                  </p:stCondLst>
-                                  <p:childTnLst>
-                                    <p:set>
-                                      <p:cBhvr>
-                                        <p:cTn id="6" dur="1" fill="hold">
-                                          <p:stCondLst>
-                                            <p:cond delay="0"/>
-                                          </p:stCondLst>
-                                        </p:cTn>
-                                        <p:tgtEl>
-                                          <p:spTgt spid="3">
-                                            <p:txEl>
-                                              <p:pRg st="0" end="0"/>
-                                            </p:txEl>
-                                          </p:spTgt>
-                                        </p:tgtEl>
-                                        <p:attrNameLst>
-                                          <p:attrName>style.visibility</p:attrName>
-                                        </p:attrNameLst>
-                                      </p:cBhvr>
-                                      <p:to>
-                                        <p:strVal val="visible"/>
-                                      </p:to>
-                                    </p:set>
-                                    <p:animEffect transition="in" filter="fade">
-                                      <p:cBhvr>
-                                        <p:cTn id="7" dur="1000"/>
-                                        <p:tgtEl>
-                                          <p:spTgt spid="3">
-                                            <p:txEl>
-                                              <p:pRg st="0" end="0"/>
-                                            </p:txEl>
-                                          </p:spTgt>
-                                        </p:tgtEl>
-                                      </p:cBhvr>
-                                    </p:animEffect>
-                                    <p:anim calcmode="lin" valueType="num">
-                                      <p:cBhvr>
-                                        <p:cTn id="8" dur="1000" fill="hold"/>
-                                        <p:tgtEl>
-                                          <p:spTgt spid="3">
-                                            <p:txEl>
-                                              <p:pRg st="0" end="0"/>
-                                            </p:txEl>
-                                          </p:spTgt>
-                                        </p:tgtEl>
-                                        <p:attrNameLst>
-                                          <p:attrName>ppt_x</p:attrName>
-                                        </p:attrNameLst>
-                                      </p:cBhvr>
-                                      <p:tavLst>
-                                        <p:tav tm="0">
-                                          <p:val>
-                                            <p:strVal val="#ppt_x"/>
-                                          </p:val>
-                                        </p:tav>
-                                        <p:tav tm="100000">
-                                          <p:val>
-                                            <p:strVal val="#ppt_x"/>
-                                          </p:val>
-                                        </p:tav>
-                                      </p:tavLst>
-                                    </p:anim>
-                                    <p:anim calcmode="lin" valueType="num">
-                                      <p:cBhvr>
-                                        <p:cTn id="9" dur="1000" fill="hold"/>
-                                        <p:tgtEl>
-                                          <p:spTgt spid="3">
-                                            <p:txEl>
-                                              <p:pRg st="0" end="0"/>
-                                            </p:txEl>
-                                          </p:spTgt>
-                                        </p:tgtEl>
-                                        <p:attrNameLst>
-                                          <p:attrName>ppt_y</p:attrName>
-                                        </p:attrNameLst>
-                                      </p:cBhvr>
-                                      <p:tavLst>
-                                        <p:tav tm="0">
-                                          <p:val>
-                                            <p:strVal val="#ppt_y+.1"/>
-                                          </p:val>
-                                        </p:tav>
-                                        <p:tav tm="100000">
-                                          <p:val>
-                                            <p:strVal val="#ppt_y"/>
-                                          </p:val>
-                                        </p:tav>
-                                      </p:tavLst>
-                                    </p:anim>
-                                  </p:childTnLst>
-                                </p:cTn>
-                              </p:par>
-                            </p:childTnLst>
-                          </p:cTn>
-                        </p:par>
-                      </p:childTnLst>
-                    </p:cTn>
-                  </p:par>
-                  <p:par>
-                    <p:cTn id="10" fill="hold">
-                      <p:stCondLst>
-                        <p:cond delay="indefinite"/>
-                      </p:stCondLst>
-                      <p:childTnLst>
-                        <p:par>
-                          <p:cTn id="11" fill="hold">
-                            <p:stCondLst>
-                              <p:cond delay="0"/>
-                            </p:stCondLst>
-                            <p:childTnLst>
-                              <p:par>
-                                <p:cTn id="12" presetID="42" presetClass="entr" presetSubtype="0" fill="hold" grpId="0" nodeType="clickEffect">
-                                  <p:stCondLst>
-                                    <p:cond delay="0"/>
-                                  </p:stCondLst>
-                                  <p:childTnLst>
-                                    <p:set>
-                                      <p:cBhvr>
-                                        <p:cTn id="13" dur="1" fill="hold">
-                                          <p:stCondLst>
-                                            <p:cond delay="0"/>
-                                          </p:stCondLst>
-                                        </p:cTn>
-                                        <p:tgtEl>
-                                          <p:spTgt spid="3">
-                                            <p:txEl>
-                                              <p:pRg st="2" end="2"/>
-                                            </p:txEl>
-                                          </p:spTgt>
-                                        </p:tgtEl>
-                                        <p:attrNameLst>
-                                          <p:attrName>style.visibility</p:attrName>
-                                        </p:attrNameLst>
-                                      </p:cBhvr>
-                                      <p:to>
-                                        <p:strVal val="visible"/>
-                                      </p:to>
-                                    </p:set>
-                                    <p:animEffect transition="in" filter="fade">
-                                      <p:cBhvr>
-                                        <p:cTn id="14" dur="1000"/>
-                                        <p:tgtEl>
-                                          <p:spTgt spid="3">
-                                            <p:txEl>
-                                              <p:pRg st="2" end="2"/>
-                                            </p:txEl>
-                                          </p:spTgt>
-                                        </p:tgtEl>
-                                      </p:cBhvr>
-                                    </p:animEffect>
-                                    <p:anim calcmode="lin" valueType="num">
-                                      <p:cBhvr>
-                                        <p:cTn id="15" dur="1000" fill="hold"/>
-                                        <p:tgtEl>
-                                          <p:spTgt spid="3">
-                                            <p:txEl>
-                                              <p:pRg st="2" end="2"/>
-                                            </p:txEl>
-                                          </p:spTgt>
-                                        </p:tgtEl>
-                                        <p:attrNameLst>
-                                          <p:attrName>ppt_x</p:attrName>
-                                        </p:attrNameLst>
-                                      </p:cBhvr>
-                                      <p:tavLst>
-                                        <p:tav tm="0">
-                                          <p:val>
-                                            <p:strVal val="#ppt_x"/>
-                                          </p:val>
-                                        </p:tav>
-                                        <p:tav tm="100000">
-                                          <p:val>
-                                            <p:strVal val="#ppt_x"/>
-                                          </p:val>
-                                        </p:tav>
-                                      </p:tavLst>
-                                    </p:anim>
-                                    <p:anim calcmode="lin" valueType="num">
-                                      <p:cBhvr>
-                                        <p:cTn id="16" dur="1000" fill="hold"/>
-                                        <p:tgtEl>
-                                          <p:spTgt spid="3">
-                                            <p:txEl>
-                                              <p:pRg st="2" end="2"/>
-                                            </p:txEl>
-                                          </p:spTgt>
-                                        </p:tgtEl>
-                                        <p:attrNameLst>
-                                          <p:attrName>ppt_y</p:attrName>
-                                        </p:attrNameLst>
-                                      </p:cBhvr>
-                                      <p:tavLst>
-                                        <p:tav tm="0">
-                                          <p:val>
-                                            <p:strVal val="#ppt_y+.1"/>
-                                          </p:val>
-                                        </p:tav>
-                                        <p:tav tm="100000">
-                                          <p:val>
-                                            <p:strVal val="#ppt_y"/>
-                                          </p:val>
-                                        </p:tav>
-                                      </p:tavLst>
-                                    </p:anim>
-                                  </p:childTnLst>
-                                </p:cTn>
-                              </p:par>
-                            </p:childTnLst>
-                          </p:cTn>
-                        </p:par>
-                      </p:childTnLst>
-                    </p:cTn>
-                  </p:par>
-                </p:childTnLst>
-              </p:cTn>
-              <p:prevCondLst>
-                <p:cond evt="onPrev" delay="0">
-                  <p:tgtEl>
-                    <p:sldTgt/>
-                  </p:tgtEl>
-                </p:cond>
-              </p:prevCondLst>
-              <p:nextCondLst>
-                <p:cond evt="onNext" delay="0">
-                  <p:tgtEl>
-                    <p:sldTgt/>
-                  </p:tgtEl>
-                </p:cond>
-              </p:nextCondLst>
-            </p:seq>
-          </p:childTnLst>
-        </p:cTn>
+        <p:cTn id="1" dur="indefinite" restart="never" nodeType="tmRoot"/>
       </p:par>
     </p:tnLst>
-    <p:bldLst>
-      <p:bldP spid="3" grpId="0" build="p"/>
-    </p:bldLst>
   </p:timing>
 </p:sld>
 </file>
